--- a/SmallProject-Slides.pptx
+++ b/SmallProject-Slides.pptx
@@ -115,6 +115,11 @@
       </a:defRPr>
     </a:lvl9pPr>
   </p:defaultTextStyle>
+  <p:extLst>
+    <p:ext uri="{EFAFB233-063F-42B5-8137-9DF3F51BA10A}">
+      <p15:sldGuideLst xmlns:p15="http://schemas.microsoft.com/office/powerpoint/2012/main"/>
+    </p:ext>
+  </p:extLst>
 </p:presentation>
 </file>
 
@@ -281,7 +286,7 @@
           <a:p>
             <a:fld id="{1160EA64-D806-43AC-9DF2-F8C432F32B4C}" type="datetimeFigureOut">
               <a:rPr lang="en-US" dirty="0"/>
-              <a:t>5/29/18</a:t>
+              <a:t>5/31/18</a:t>
             </a:fld>
             <a:endParaRPr lang="en-US" dirty="0"/>
           </a:p>
@@ -447,7 +452,7 @@
           <a:p>
             <a:fld id="{E9F9C37B-1D36-470B-8223-D6C91242EC14}" type="datetimeFigureOut">
               <a:rPr lang="en-US" dirty="0"/>
-              <a:t>5/29/18</a:t>
+              <a:t>5/31/18</a:t>
             </a:fld>
             <a:endParaRPr lang="en-US" dirty="0"/>
           </a:p>
@@ -622,7 +627,7 @@
           <a:p>
             <a:fld id="{67C6F52A-A82B-47A2-A83A-8C4C91F2D59F}" type="datetimeFigureOut">
               <a:rPr lang="en-US" dirty="0"/>
-              <a:t>5/29/18</a:t>
+              <a:t>5/31/18</a:t>
             </a:fld>
             <a:endParaRPr lang="en-US" dirty="0"/>
           </a:p>
@@ -787,7 +792,7 @@
           <a:p>
             <a:fld id="{F070A7B3-6521-4DCA-87E5-044747A908C1}" type="datetimeFigureOut">
               <a:rPr lang="en-US" dirty="0"/>
-              <a:t>5/29/18</a:t>
+              <a:t>5/31/18</a:t>
             </a:fld>
             <a:endParaRPr lang="en-US" dirty="0"/>
           </a:p>
@@ -1051,7 +1056,7 @@
           <a:p>
             <a:fld id="{1160EA64-D806-43AC-9DF2-F8C432F32B4C}" type="datetimeFigureOut">
               <a:rPr lang="en-US" dirty="0"/>
-              <a:t>5/29/18</a:t>
+              <a:t>5/31/18</a:t>
             </a:fld>
             <a:endParaRPr lang="en-US" dirty="0"/>
           </a:p>
@@ -1279,7 +1284,7 @@
           <a:p>
             <a:fld id="{AB134690-1557-4C89-A502-4959FE7FAD70}" type="datetimeFigureOut">
               <a:rPr lang="en-US" dirty="0"/>
-              <a:t>5/29/18</a:t>
+              <a:t>5/31/18</a:t>
             </a:fld>
             <a:endParaRPr lang="en-US" dirty="0"/>
           </a:p>
@@ -1633,7 +1638,7 @@
           <a:p>
             <a:fld id="{4F7D4976-E339-4826-83B7-FBD03F55ECF8}" type="datetimeFigureOut">
               <a:rPr lang="en-US" dirty="0"/>
-              <a:t>5/29/18</a:t>
+              <a:t>5/31/18</a:t>
             </a:fld>
             <a:endParaRPr lang="en-US" dirty="0"/>
           </a:p>
@@ -1769,7 +1774,7 @@
           <a:p>
             <a:fld id="{E1037C31-9E7A-4F99-8774-A0E530DE1A42}" type="datetimeFigureOut">
               <a:rPr lang="en-US" dirty="0"/>
-              <a:t>5/29/18</a:t>
+              <a:t>5/31/18</a:t>
             </a:fld>
             <a:endParaRPr lang="en-US" dirty="0"/>
           </a:p>
@@ -1859,7 +1864,7 @@
           <a:p>
             <a:fld id="{C278504F-A551-4DE0-9316-4DCD1D8CC752}" type="datetimeFigureOut">
               <a:rPr lang="en-US" dirty="0"/>
-              <a:t>5/29/18</a:t>
+              <a:t>5/31/18</a:t>
             </a:fld>
             <a:endParaRPr lang="en-US" dirty="0"/>
           </a:p>
@@ -2211,7 +2216,7 @@
           <a:p>
             <a:fld id="{D1BE4249-C0D0-4B06-8692-E8BB871AF643}" type="datetimeFigureOut">
               <a:rPr lang="en-US" dirty="0"/>
-              <a:t>5/29/18</a:t>
+              <a:t>5/31/18</a:t>
             </a:fld>
             <a:endParaRPr lang="en-US" dirty="0"/>
           </a:p>
@@ -2563,7 +2568,7 @@
           <a:p>
             <a:fld id="{042B0DB6-F5C7-45FB-8CF3-31B45F9C2DAC}" type="datetimeFigureOut">
               <a:rPr lang="en-US" dirty="0"/>
-              <a:t>5/29/18</a:t>
+              <a:t>5/31/18</a:t>
             </a:fld>
             <a:endParaRPr lang="en-US" dirty="0"/>
           </a:p>
@@ -2799,7 +2804,7 @@
           <a:p>
             <a:fld id="{1160EA64-D806-43AC-9DF2-F8C432F32B4C}" type="datetimeFigureOut">
               <a:rPr lang="en-US" dirty="0"/>
-              <a:t>5/29/18</a:t>
+              <a:t>5/31/18</a:t>
             </a:fld>
             <a:endParaRPr lang="en-US" dirty="0"/>
           </a:p>
@@ -3265,7 +3270,7 @@
           <a:p>
             <a:r>
               <a:rPr lang="en-US" dirty="0" smtClean="0"/>
-              <a:t>Contact manager</a:t>
+              <a:t>Cloud base Contact manager</a:t>
             </a:r>
             <a:endParaRPr lang="en-US" dirty="0"/>
           </a:p>
@@ -3287,7 +3292,7 @@
           <a:lstStyle/>
           <a:p>
             <a:r>
-              <a:rPr lang="en-US" dirty="0" err="1" smtClean="0"/>
+              <a:rPr lang="en-US" dirty="0" smtClean="0"/>
               <a:t>webapp</a:t>
             </a:r>
             <a:endParaRPr lang="en-US" dirty="0"/>
@@ -3362,7 +3367,39 @@
           <a:bodyPr/>
           <a:lstStyle/>
           <a:p>
-            <a:endParaRPr lang="en-US"/>
+            <a:r>
+              <a:rPr lang="en-US" dirty="0" smtClean="0"/>
+              <a:t>Try our service out at:       </a:t>
+            </a:r>
+            <a:r>
+              <a:rPr lang="en-US" b="1" dirty="0">
+                <a:solidFill>
+                  <a:srgbClr val="00B0F0"/>
+                </a:solidFill>
+              </a:rPr>
+              <a:t>m</a:t>
+            </a:r>
+            <a:r>
+              <a:rPr lang="en-US" b="1" dirty="0" smtClean="0">
+                <a:solidFill>
+                  <a:srgbClr val="00B0F0"/>
+                </a:solidFill>
+              </a:rPr>
+              <a:t>4rks.site</a:t>
+            </a:r>
+            <a:r>
+              <a:rPr lang="en-US" dirty="0" smtClean="0"/>
+              <a:t>      from your browser.</a:t>
+            </a:r>
+          </a:p>
+          <a:p>
+            <a:r>
+              <a:rPr lang="en-US" dirty="0" smtClean="0"/>
+              <a:t>We have limited bandwidth, so please be patience.</a:t>
+            </a:r>
+          </a:p>
+          <a:p>
+            <a:endParaRPr lang="en-US" dirty="0"/>
           </a:p>
         </p:txBody>
       </p:sp>
@@ -3491,25 +3528,32 @@
           </a:p>
         </p:txBody>
       </p:sp>
-      <p:sp>
-        <p:nvSpPr>
-          <p:cNvPr id="3" name="Content Placeholder 2"/>
-          <p:cNvSpPr>
-            <a:spLocks noGrp="1"/>
-          </p:cNvSpPr>
+      <p:pic>
+        <p:nvPicPr>
+          <p:cNvPr id="4" name="Content Placeholder 3"/>
+          <p:cNvPicPr>
+            <a:picLocks noGrp="1" noChangeAspect="1"/>
+          </p:cNvPicPr>
           <p:nvPr>
             <p:ph idx="1"/>
           </p:nvPr>
-        </p:nvSpPr>
-        <p:spPr/>
-        <p:txBody>
-          <a:bodyPr/>
-          <a:lstStyle/>
-          <a:p>
-            <a:endParaRPr lang="en-US" dirty="0"/>
-          </a:p>
-        </p:txBody>
-      </p:sp>
+        </p:nvPicPr>
+        <p:blipFill>
+          <a:blip r:embed="rId2"/>
+          <a:stretch>
+            <a:fillRect/>
+          </a:stretch>
+        </p:blipFill>
+        <p:spPr>
+          <a:xfrm>
+            <a:off x="3341911" y="2638425"/>
+            <a:ext cx="5508179" cy="3101975"/>
+          </a:xfrm>
+          <a:prstGeom prst="rect">
+            <a:avLst/>
+          </a:prstGeom>
+        </p:spPr>
+      </p:pic>
     </p:spTree>
     <p:extLst>
       <p:ext uri="{BB962C8B-B14F-4D97-AF65-F5344CB8AC3E}">
@@ -3718,7 +3762,13 @@
           <a:p>
             <a:r>
               <a:rPr lang="en-US" dirty="0" smtClean="0"/>
-              <a:t>Providing users an interface to login and manage their contacts on a remote database.</a:t>
+              <a:t>Providing users an secure login into a remote database.</a:t>
+            </a:r>
+          </a:p>
+          <a:p>
+            <a:r>
+              <a:rPr lang="en-US" dirty="0" smtClean="0"/>
+              <a:t>Helping users manage their contacts with the simplest interface.</a:t>
             </a:r>
           </a:p>
           <a:p>
@@ -3808,7 +3858,7 @@
           <a:p>
             <a:r>
               <a:rPr lang="en-US" dirty="0" smtClean="0"/>
-              <a:t>Database and server:</a:t>
+              <a:t>Database and server: Mark Nguyen and Alex Hunt</a:t>
             </a:r>
             <a:endParaRPr lang="en-US" dirty="0"/>
           </a:p>
@@ -4015,25 +4065,35 @@
           </a:p>
         </p:txBody>
       </p:sp>
-      <p:sp>
-        <p:nvSpPr>
-          <p:cNvPr id="3" name="Content Placeholder 2"/>
-          <p:cNvSpPr>
-            <a:spLocks noGrp="1"/>
-          </p:cNvSpPr>
+      <p:pic>
+        <p:nvPicPr>
+          <p:cNvPr id="6" name="Content Placeholder 5"/>
+          <p:cNvPicPr>
+            <a:picLocks noGrp="1" noChangeAspect="1"/>
+          </p:cNvPicPr>
           <p:nvPr>
             <p:ph idx="1"/>
           </p:nvPr>
-        </p:nvSpPr>
-        <p:spPr/>
-        <p:txBody>
-          <a:bodyPr/>
-          <a:lstStyle/>
-          <a:p>
-            <a:endParaRPr lang="en-US"/>
-          </a:p>
-        </p:txBody>
-      </p:sp>
+        </p:nvPicPr>
+        <p:blipFill>
+          <a:blip r:embed="rId2">
+            <a:extLst>
+              <a:ext uri="{28A0092B-C50C-407E-A947-70E740481C1C}">
+                <a14:useLocalDpi xmlns:a14="http://schemas.microsoft.com/office/drawing/2010/main" val="0"/>
+              </a:ext>
+            </a:extLst>
+          </a:blip>
+          <a:stretch>
+            <a:fillRect/>
+          </a:stretch>
+        </p:blipFill>
+        <p:spPr>
+          <a:xfrm>
+            <a:off x="4371976" y="2153412"/>
+            <a:ext cx="3014661" cy="4497283"/>
+          </a:xfrm>
+        </p:spPr>
+      </p:pic>
     </p:spTree>
     <p:extLst>
       <p:ext uri="{BB962C8B-B14F-4D97-AF65-F5344CB8AC3E}">
@@ -4102,6 +4162,22 @@
           <a:bodyPr/>
           <a:lstStyle/>
           <a:p>
+            <a:r>
+              <a:rPr lang="en-US" dirty="0" smtClean="0"/>
+              <a:t>Front end:</a:t>
+            </a:r>
+          </a:p>
+          <a:p>
+            <a:r>
+              <a:rPr lang="en-US" dirty="0" smtClean="0"/>
+              <a:t>API:</a:t>
+            </a:r>
+          </a:p>
+          <a:p>
+            <a:r>
+              <a:rPr lang="en-US" dirty="0" smtClean="0"/>
+              <a:t>Database and server: Having to learn from the beginning of how to run a website with remote database. The provided tool from the web hosting service is not up to date, so we implement what we need and cross fingers.</a:t>
+            </a:r>
             <a:endParaRPr lang="en-US" dirty="0"/>
           </a:p>
         </p:txBody>
@@ -4173,6 +4249,24 @@
         <p:txBody>
           <a:bodyPr/>
           <a:lstStyle/>
+          <a:p>
+            <a:r>
+              <a:rPr lang="en-US" dirty="0" smtClean="0"/>
+              <a:t>Front end:</a:t>
+            </a:r>
+          </a:p>
+          <a:p>
+            <a:r>
+              <a:rPr lang="en-US" dirty="0" smtClean="0"/>
+              <a:t>API:</a:t>
+            </a:r>
+          </a:p>
+          <a:p>
+            <a:r>
+              <a:rPr lang="en-US" dirty="0" smtClean="0"/>
+              <a:t>Database and server:  We learned what we need to do for next time when we need to build a website. We come up with a simple database and minimal constrain between the tables, that may help the API team easily implement any query operation. </a:t>
+            </a:r>
+          </a:p>
           <a:p>
             <a:endParaRPr lang="en-US" dirty="0"/>
           </a:p>

--- a/SmallProject-Slides.pptx
+++ b/SmallProject-Slides.pptx
@@ -7,16 +7,15 @@
   <p:sldIdLst>
     <p:sldId id="256" r:id="rId2"/>
     <p:sldId id="257" r:id="rId3"/>
-    <p:sldId id="258" r:id="rId4"/>
-    <p:sldId id="259" r:id="rId5"/>
-    <p:sldId id="260" r:id="rId6"/>
-    <p:sldId id="261" r:id="rId7"/>
-    <p:sldId id="262" r:id="rId8"/>
-    <p:sldId id="263" r:id="rId9"/>
-    <p:sldId id="264" r:id="rId10"/>
-    <p:sldId id="265" r:id="rId11"/>
-    <p:sldId id="267" r:id="rId12"/>
-    <p:sldId id="266" r:id="rId13"/>
+    <p:sldId id="269" r:id="rId4"/>
+    <p:sldId id="270" r:id="rId5"/>
+    <p:sldId id="271" r:id="rId6"/>
+    <p:sldId id="272" r:id="rId7"/>
+    <p:sldId id="276" r:id="rId8"/>
+    <p:sldId id="273" r:id="rId9"/>
+    <p:sldId id="274" r:id="rId10"/>
+    <p:sldId id="275" r:id="rId11"/>
+    <p:sldId id="266" r:id="rId12"/>
   </p:sldIdLst>
   <p:sldSz cx="12192000" cy="6858000"/>
   <p:notesSz cx="6858000" cy="9144000"/>
@@ -187,7 +186,7 @@
           </a:lstStyle>
           <a:p>
             <a:r>
-              <a:rPr lang="en-US" smtClean="0"/>
+              <a:rPr lang="en-US"/>
               <a:t>Click to edit Master title style</a:t>
             </a:r>
             <a:endParaRPr lang="en-US" dirty="0"/>
@@ -262,7 +261,7 @@
           </a:lstStyle>
           <a:p>
             <a:r>
-              <a:rPr lang="en-US" smtClean="0"/>
+              <a:rPr lang="en-US"/>
               <a:t>Click to edit Master subtitle style</a:t>
             </a:r>
             <a:endParaRPr lang="en-US" dirty="0"/>
@@ -286,7 +285,7 @@
           <a:p>
             <a:fld id="{1160EA64-D806-43AC-9DF2-F8C432F32B4C}" type="datetimeFigureOut">
               <a:rPr lang="en-US" dirty="0"/>
-              <a:t>5/31/18</a:t>
+              <a:t>6/3/2018</a:t>
             </a:fld>
             <a:endParaRPr lang="en-US" dirty="0"/>
           </a:p>
@@ -376,7 +375,7 @@
           <a:lstStyle/>
           <a:p>
             <a:r>
-              <a:rPr lang="en-US" smtClean="0"/>
+              <a:rPr lang="en-US"/>
               <a:t>Click to edit Master title style</a:t>
             </a:r>
             <a:endParaRPr lang="en-US" dirty="0"/>
@@ -400,35 +399,35 @@
           <a:p>
             <a:pPr lvl="0"/>
             <a:r>
-              <a:rPr lang="en-US" smtClean="0"/>
+              <a:rPr lang="en-US"/>
               <a:t>Click to edit Master text styles</a:t>
             </a:r>
           </a:p>
           <a:p>
             <a:pPr lvl="1"/>
             <a:r>
-              <a:rPr lang="en-US" smtClean="0"/>
+              <a:rPr lang="en-US"/>
               <a:t>Second level</a:t>
             </a:r>
           </a:p>
           <a:p>
             <a:pPr lvl="2"/>
             <a:r>
-              <a:rPr lang="en-US" smtClean="0"/>
+              <a:rPr lang="en-US"/>
               <a:t>Third level</a:t>
             </a:r>
           </a:p>
           <a:p>
             <a:pPr lvl="3"/>
             <a:r>
-              <a:rPr lang="en-US" smtClean="0"/>
+              <a:rPr lang="en-US"/>
               <a:t>Fourth level</a:t>
             </a:r>
           </a:p>
           <a:p>
             <a:pPr lvl="4"/>
             <a:r>
-              <a:rPr lang="en-US" smtClean="0"/>
+              <a:rPr lang="en-US"/>
               <a:t>Fifth level</a:t>
             </a:r>
             <a:endParaRPr lang="en-US" dirty="0"/>
@@ -452,7 +451,7 @@
           <a:p>
             <a:fld id="{E9F9C37B-1D36-470B-8223-D6C91242EC14}" type="datetimeFigureOut">
               <a:rPr lang="en-US" dirty="0"/>
-              <a:t>5/31/18</a:t>
+              <a:t>6/3/2018</a:t>
             </a:fld>
             <a:endParaRPr lang="en-US" dirty="0"/>
           </a:p>
@@ -546,7 +545,7 @@
           <a:lstStyle/>
           <a:p>
             <a:r>
-              <a:rPr lang="en-US" smtClean="0"/>
+              <a:rPr lang="en-US"/>
               <a:t>Click to edit Master title style</a:t>
             </a:r>
             <a:endParaRPr lang="en-US" dirty="0"/>
@@ -575,35 +574,35 @@
           <a:p>
             <a:pPr lvl="0"/>
             <a:r>
-              <a:rPr lang="en-US" smtClean="0"/>
+              <a:rPr lang="en-US"/>
               <a:t>Click to edit Master text styles</a:t>
             </a:r>
           </a:p>
           <a:p>
             <a:pPr lvl="1"/>
             <a:r>
-              <a:rPr lang="en-US" smtClean="0"/>
+              <a:rPr lang="en-US"/>
               <a:t>Second level</a:t>
             </a:r>
           </a:p>
           <a:p>
             <a:pPr lvl="2"/>
             <a:r>
-              <a:rPr lang="en-US" smtClean="0"/>
+              <a:rPr lang="en-US"/>
               <a:t>Third level</a:t>
             </a:r>
           </a:p>
           <a:p>
             <a:pPr lvl="3"/>
             <a:r>
-              <a:rPr lang="en-US" smtClean="0"/>
+              <a:rPr lang="en-US"/>
               <a:t>Fourth level</a:t>
             </a:r>
           </a:p>
           <a:p>
             <a:pPr lvl="4"/>
             <a:r>
-              <a:rPr lang="en-US" smtClean="0"/>
+              <a:rPr lang="en-US"/>
               <a:t>Fifth level</a:t>
             </a:r>
             <a:endParaRPr lang="en-US" dirty="0"/>
@@ -627,7 +626,7 @@
           <a:p>
             <a:fld id="{67C6F52A-A82B-47A2-A83A-8C4C91F2D59F}" type="datetimeFigureOut">
               <a:rPr lang="en-US" dirty="0"/>
-              <a:t>5/31/18</a:t>
+              <a:t>6/3/2018</a:t>
             </a:fld>
             <a:endParaRPr lang="en-US" dirty="0"/>
           </a:p>
@@ -716,7 +715,7 @@
           <a:lstStyle/>
           <a:p>
             <a:r>
-              <a:rPr lang="en-US" smtClean="0"/>
+              <a:rPr lang="en-US"/>
               <a:t>Click to edit Master title style</a:t>
             </a:r>
             <a:endParaRPr lang="en-US" dirty="0"/>
@@ -740,35 +739,35 @@
           <a:p>
             <a:pPr lvl="0"/>
             <a:r>
-              <a:rPr lang="en-US" smtClean="0"/>
+              <a:rPr lang="en-US"/>
               <a:t>Click to edit Master text styles</a:t>
             </a:r>
           </a:p>
           <a:p>
             <a:pPr lvl="1"/>
             <a:r>
-              <a:rPr lang="en-US" smtClean="0"/>
+              <a:rPr lang="en-US"/>
               <a:t>Second level</a:t>
             </a:r>
           </a:p>
           <a:p>
             <a:pPr lvl="2"/>
             <a:r>
-              <a:rPr lang="en-US" smtClean="0"/>
+              <a:rPr lang="en-US"/>
               <a:t>Third level</a:t>
             </a:r>
           </a:p>
           <a:p>
             <a:pPr lvl="3"/>
             <a:r>
-              <a:rPr lang="en-US" smtClean="0"/>
+              <a:rPr lang="en-US"/>
               <a:t>Fourth level</a:t>
             </a:r>
           </a:p>
           <a:p>
             <a:pPr lvl="4"/>
             <a:r>
-              <a:rPr lang="en-US" smtClean="0"/>
+              <a:rPr lang="en-US"/>
               <a:t>Fifth level</a:t>
             </a:r>
             <a:endParaRPr lang="en-US" dirty="0"/>
@@ -792,7 +791,7 @@
           <a:p>
             <a:fld id="{F070A7B3-6521-4DCA-87E5-044747A908C1}" type="datetimeFigureOut">
               <a:rPr lang="en-US" dirty="0"/>
-              <a:t>5/31/18</a:t>
+              <a:t>6/3/2018</a:t>
             </a:fld>
             <a:endParaRPr lang="en-US" dirty="0"/>
           </a:p>
@@ -913,7 +912,7 @@
           </a:lstStyle>
           <a:p>
             <a:r>
-              <a:rPr lang="en-US" smtClean="0"/>
+              <a:rPr lang="en-US"/>
               <a:t>Click to edit Master title style</a:t>
             </a:r>
             <a:endParaRPr lang="en-US" dirty="0"/>
@@ -1033,7 +1032,7 @@
           <a:p>
             <a:pPr lvl="0"/>
             <a:r>
-              <a:rPr lang="en-US" smtClean="0"/>
+              <a:rPr lang="en-US"/>
               <a:t>Click to edit Master text styles</a:t>
             </a:r>
           </a:p>
@@ -1056,7 +1055,7 @@
           <a:p>
             <a:fld id="{1160EA64-D806-43AC-9DF2-F8C432F32B4C}" type="datetimeFigureOut">
               <a:rPr lang="en-US" dirty="0"/>
-              <a:t>5/31/18</a:t>
+              <a:t>6/3/2018</a:t>
             </a:fld>
             <a:endParaRPr lang="en-US" dirty="0"/>
           </a:p>
@@ -1146,7 +1145,7 @@
           <a:lstStyle/>
           <a:p>
             <a:r>
-              <a:rPr lang="en-US" smtClean="0"/>
+              <a:rPr lang="en-US"/>
               <a:t>Click to edit Master title style</a:t>
             </a:r>
             <a:endParaRPr lang="en-US" dirty="0"/>
@@ -1175,35 +1174,35 @@
           <a:p>
             <a:pPr lvl="0"/>
             <a:r>
-              <a:rPr lang="en-US" smtClean="0"/>
+              <a:rPr lang="en-US"/>
               <a:t>Click to edit Master text styles</a:t>
             </a:r>
           </a:p>
           <a:p>
             <a:pPr lvl="1"/>
             <a:r>
-              <a:rPr lang="en-US" smtClean="0"/>
+              <a:rPr lang="en-US"/>
               <a:t>Second level</a:t>
             </a:r>
           </a:p>
           <a:p>
             <a:pPr lvl="2"/>
             <a:r>
-              <a:rPr lang="en-US" smtClean="0"/>
+              <a:rPr lang="en-US"/>
               <a:t>Third level</a:t>
             </a:r>
           </a:p>
           <a:p>
             <a:pPr lvl="3"/>
             <a:r>
-              <a:rPr lang="en-US" smtClean="0"/>
+              <a:rPr lang="en-US"/>
               <a:t>Fourth level</a:t>
             </a:r>
           </a:p>
           <a:p>
             <a:pPr lvl="4"/>
             <a:r>
-              <a:rPr lang="en-US" smtClean="0"/>
+              <a:rPr lang="en-US"/>
               <a:t>Fifth level</a:t>
             </a:r>
             <a:endParaRPr lang="en-US" dirty="0"/>
@@ -1232,35 +1231,35 @@
           <a:p>
             <a:pPr lvl="0"/>
             <a:r>
-              <a:rPr lang="en-US" smtClean="0"/>
+              <a:rPr lang="en-US"/>
               <a:t>Click to edit Master text styles</a:t>
             </a:r>
           </a:p>
           <a:p>
             <a:pPr lvl="1"/>
             <a:r>
-              <a:rPr lang="en-US" smtClean="0"/>
+              <a:rPr lang="en-US"/>
               <a:t>Second level</a:t>
             </a:r>
           </a:p>
           <a:p>
             <a:pPr lvl="2"/>
             <a:r>
-              <a:rPr lang="en-US" smtClean="0"/>
+              <a:rPr lang="en-US"/>
               <a:t>Third level</a:t>
             </a:r>
           </a:p>
           <a:p>
             <a:pPr lvl="3"/>
             <a:r>
-              <a:rPr lang="en-US" smtClean="0"/>
+              <a:rPr lang="en-US"/>
               <a:t>Fourth level</a:t>
             </a:r>
           </a:p>
           <a:p>
             <a:pPr lvl="4"/>
             <a:r>
-              <a:rPr lang="en-US" smtClean="0"/>
+              <a:rPr lang="en-US"/>
               <a:t>Fifth level</a:t>
             </a:r>
             <a:endParaRPr lang="en-US" dirty="0"/>
@@ -1284,7 +1283,7 @@
           <a:p>
             <a:fld id="{AB134690-1557-4C89-A502-4959FE7FAD70}" type="datetimeFigureOut">
               <a:rPr lang="en-US" dirty="0"/>
-              <a:t>5/31/18</a:t>
+              <a:t>6/3/2018</a:t>
             </a:fld>
             <a:endParaRPr lang="en-US" dirty="0"/>
           </a:p>
@@ -1424,7 +1423,7 @@
           <a:p>
             <a:pPr lvl="0"/>
             <a:r>
-              <a:rPr lang="en-US" smtClean="0"/>
+              <a:rPr lang="en-US"/>
               <a:t>Click to edit Master text styles</a:t>
             </a:r>
           </a:p>
@@ -1452,35 +1451,35 @@
           <a:p>
             <a:pPr lvl="0"/>
             <a:r>
-              <a:rPr lang="en-US" smtClean="0"/>
+              <a:rPr lang="en-US"/>
               <a:t>Click to edit Master text styles</a:t>
             </a:r>
           </a:p>
           <a:p>
             <a:pPr lvl="1"/>
             <a:r>
-              <a:rPr lang="en-US" smtClean="0"/>
+              <a:rPr lang="en-US"/>
               <a:t>Second level</a:t>
             </a:r>
           </a:p>
           <a:p>
             <a:pPr lvl="2"/>
             <a:r>
-              <a:rPr lang="en-US" smtClean="0"/>
+              <a:rPr lang="en-US"/>
               <a:t>Third level</a:t>
             </a:r>
           </a:p>
           <a:p>
             <a:pPr lvl="3"/>
             <a:r>
-              <a:rPr lang="en-US" smtClean="0"/>
+              <a:rPr lang="en-US"/>
               <a:t>Fourth level</a:t>
             </a:r>
           </a:p>
           <a:p>
             <a:pPr lvl="4"/>
             <a:r>
-              <a:rPr lang="en-US" smtClean="0"/>
+              <a:rPr lang="en-US"/>
               <a:t>Fifth level</a:t>
             </a:r>
             <a:endParaRPr lang="en-US" dirty="0"/>
@@ -1513,35 +1512,35 @@
           <a:p>
             <a:pPr lvl="0"/>
             <a:r>
-              <a:rPr lang="en-US" smtClean="0"/>
+              <a:rPr lang="en-US"/>
               <a:t>Click to edit Master text styles</a:t>
             </a:r>
           </a:p>
           <a:p>
             <a:pPr lvl="1"/>
             <a:r>
-              <a:rPr lang="en-US" smtClean="0"/>
+              <a:rPr lang="en-US"/>
               <a:t>Second level</a:t>
             </a:r>
           </a:p>
           <a:p>
             <a:pPr lvl="2"/>
             <a:r>
-              <a:rPr lang="en-US" smtClean="0"/>
+              <a:rPr lang="en-US"/>
               <a:t>Third level</a:t>
             </a:r>
           </a:p>
           <a:p>
             <a:pPr lvl="3"/>
             <a:r>
-              <a:rPr lang="en-US" smtClean="0"/>
+              <a:rPr lang="en-US"/>
               <a:t>Fourth level</a:t>
             </a:r>
           </a:p>
           <a:p>
             <a:pPr lvl="4"/>
             <a:r>
-              <a:rPr lang="en-US" smtClean="0"/>
+              <a:rPr lang="en-US"/>
               <a:t>Fifth level</a:t>
             </a:r>
             <a:endParaRPr lang="en-US" dirty="0"/>
@@ -1615,7 +1614,7 @@
           <a:p>
             <a:pPr lvl="0"/>
             <a:r>
-              <a:rPr lang="en-US" smtClean="0"/>
+              <a:rPr lang="en-US"/>
               <a:t>Click to edit Master text styles</a:t>
             </a:r>
           </a:p>
@@ -1638,7 +1637,7 @@
           <a:p>
             <a:fld id="{4F7D4976-E339-4826-83B7-FBD03F55ECF8}" type="datetimeFigureOut">
               <a:rPr lang="en-US" dirty="0"/>
-              <a:t>5/31/18</a:t>
+              <a:t>6/3/2018</a:t>
             </a:fld>
             <a:endParaRPr lang="en-US" dirty="0"/>
           </a:p>
@@ -1702,7 +1701,7 @@
           <a:lstStyle/>
           <a:p>
             <a:r>
-              <a:rPr lang="en-US" smtClean="0"/>
+              <a:rPr lang="en-US"/>
               <a:t>Click to edit Master title style</a:t>
             </a:r>
             <a:endParaRPr lang="en-US" dirty="0"/>
@@ -1750,7 +1749,7 @@
           <a:lstStyle/>
           <a:p>
             <a:r>
-              <a:rPr lang="en-US" smtClean="0"/>
+              <a:rPr lang="en-US"/>
               <a:t>Click to edit Master title style</a:t>
             </a:r>
             <a:endParaRPr lang="en-US" dirty="0"/>
@@ -1774,7 +1773,7 @@
           <a:p>
             <a:fld id="{E1037C31-9E7A-4F99-8774-A0E530DE1A42}" type="datetimeFigureOut">
               <a:rPr lang="en-US" dirty="0"/>
-              <a:t>5/31/18</a:t>
+              <a:t>6/3/2018</a:t>
             </a:fld>
             <a:endParaRPr lang="en-US" dirty="0"/>
           </a:p>
@@ -1864,7 +1863,7 @@
           <a:p>
             <a:fld id="{C278504F-A551-4DE0-9316-4DCD1D8CC752}" type="datetimeFigureOut">
               <a:rPr lang="en-US" dirty="0"/>
-              <a:t>5/31/18</a:t>
+              <a:t>6/3/2018</a:t>
             </a:fld>
             <a:endParaRPr lang="en-US" dirty="0"/>
           </a:p>
@@ -2014,7 +2013,7 @@
           </a:lstStyle>
           <a:p>
             <a:r>
-              <a:rPr lang="en-US" smtClean="0"/>
+              <a:rPr lang="en-US"/>
               <a:t>Click to edit Master title style</a:t>
             </a:r>
             <a:endParaRPr lang="en-US" dirty="0"/>
@@ -2093,35 +2092,35 @@
           <a:p>
             <a:pPr lvl="0"/>
             <a:r>
-              <a:rPr lang="en-US" smtClean="0"/>
+              <a:rPr lang="en-US"/>
               <a:t>Click to edit Master text styles</a:t>
             </a:r>
           </a:p>
           <a:p>
             <a:pPr lvl="1"/>
             <a:r>
-              <a:rPr lang="en-US" smtClean="0"/>
+              <a:rPr lang="en-US"/>
               <a:t>Second level</a:t>
             </a:r>
           </a:p>
           <a:p>
             <a:pPr lvl="2"/>
             <a:r>
-              <a:rPr lang="en-US" smtClean="0"/>
+              <a:rPr lang="en-US"/>
               <a:t>Third level</a:t>
             </a:r>
           </a:p>
           <a:p>
             <a:pPr lvl="3"/>
             <a:r>
-              <a:rPr lang="en-US" smtClean="0"/>
+              <a:rPr lang="en-US"/>
               <a:t>Fourth level</a:t>
             </a:r>
           </a:p>
           <a:p>
             <a:pPr lvl="4"/>
             <a:r>
-              <a:rPr lang="en-US" smtClean="0"/>
+              <a:rPr lang="en-US"/>
               <a:t>Fifth level</a:t>
             </a:r>
             <a:endParaRPr lang="en-US" dirty="0"/>
@@ -2193,7 +2192,7 @@
           <a:p>
             <a:pPr lvl="0"/>
             <a:r>
-              <a:rPr lang="en-US" smtClean="0"/>
+              <a:rPr lang="en-US"/>
               <a:t>Click to edit Master text styles</a:t>
             </a:r>
           </a:p>
@@ -2216,7 +2215,7 @@
           <a:p>
             <a:fld id="{D1BE4249-C0D0-4B06-8692-E8BB871AF643}" type="datetimeFigureOut">
               <a:rPr lang="en-US" dirty="0"/>
-              <a:t>5/31/18</a:t>
+              <a:t>6/3/2018</a:t>
             </a:fld>
             <a:endParaRPr lang="en-US" dirty="0"/>
           </a:p>
@@ -2381,7 +2380,7 @@
           </a:lstStyle>
           <a:p>
             <a:r>
-              <a:rPr lang="en-US" smtClean="0"/>
+              <a:rPr lang="en-US"/>
               <a:t>Click to edit Master title style</a:t>
             </a:r>
             <a:endParaRPr lang="en-US" dirty="0"/>
@@ -2458,7 +2457,7 @@
           </a:lstStyle>
           <a:p>
             <a:r>
-              <a:rPr lang="en-US" smtClean="0"/>
+              <a:rPr lang="en-US"/>
               <a:t>Drag picture to placeholder or click icon to add</a:t>
             </a:r>
             <a:endParaRPr lang="en-US" dirty="0"/>
@@ -2530,7 +2529,7 @@
           <a:p>
             <a:pPr lvl="0"/>
             <a:r>
-              <a:rPr lang="en-US" smtClean="0"/>
+              <a:rPr lang="en-US"/>
               <a:t>Click to edit Master text styles</a:t>
             </a:r>
           </a:p>
@@ -2568,7 +2567,7 @@
           <a:p>
             <a:fld id="{042B0DB6-F5C7-45FB-8CF3-31B45F9C2DAC}" type="datetimeFigureOut">
               <a:rPr lang="en-US" dirty="0"/>
-              <a:t>5/31/18</a:t>
+              <a:t>6/3/2018</a:t>
             </a:fld>
             <a:endParaRPr lang="en-US" dirty="0"/>
           </a:p>
@@ -2701,7 +2700,7 @@
           <a:lstStyle/>
           <a:p>
             <a:r>
-              <a:rPr lang="en-US" smtClean="0"/>
+              <a:rPr lang="en-US"/>
               <a:t>Click to edit Master title style</a:t>
             </a:r>
             <a:endParaRPr lang="en-US" dirty="0"/>
@@ -2804,7 +2803,7 @@
           <a:p>
             <a:fld id="{1160EA64-D806-43AC-9DF2-F8C432F32B4C}" type="datetimeFigureOut">
               <a:rPr lang="en-US" dirty="0"/>
-              <a:t>5/31/18</a:t>
+              <a:t>6/3/2018</a:t>
             </a:fld>
             <a:endParaRPr lang="en-US" dirty="0"/>
           </a:p>
@@ -3269,10 +3268,9 @@
           <a:lstStyle/>
           <a:p>
             <a:r>
-              <a:rPr lang="en-US" dirty="0" smtClean="0"/>
-              <a:t>Cloud base Contact manager</a:t>
-            </a:r>
-            <a:endParaRPr lang="en-US" dirty="0"/>
+              <a:rPr lang="en-US" dirty="0"/>
+              <a:t>Contact manager</a:t>
+            </a:r>
           </a:p>
         </p:txBody>
       </p:sp>
@@ -3292,10 +3290,9 @@
           <a:lstStyle/>
           <a:p>
             <a:r>
-              <a:rPr lang="en-US" dirty="0" smtClean="0"/>
+              <a:rPr lang="en-US" dirty="0"/>
               <a:t>webapp</a:t>
             </a:r>
-            <a:endParaRPr lang="en-US" dirty="0"/>
           </a:p>
         </p:txBody>
       </p:sp>
@@ -3339,16 +3336,20 @@
             <p:ph type="title"/>
           </p:nvPr>
         </p:nvSpPr>
-        <p:spPr/>
-        <p:txBody>
-          <a:bodyPr/>
-          <a:lstStyle/>
-          <a:p>
-            <a:r>
-              <a:rPr lang="en-US" dirty="0" smtClean="0"/>
-              <a:t>demo</a:t>
-            </a:r>
-            <a:endParaRPr lang="en-US" dirty="0"/>
+        <p:spPr>
+          <a:xfrm>
+            <a:off x="2231136" y="377559"/>
+            <a:ext cx="7729728" cy="1188720"/>
+          </a:xfrm>
+        </p:spPr>
+        <p:txBody>
+          <a:bodyPr/>
+          <a:lstStyle/>
+          <a:p>
+            <a:r>
+              <a:rPr lang="en-US" dirty="0"/>
+              <a:t>DEMO</a:t>
+            </a:r>
           </a:p>
         </p:txBody>
       </p:sp>
@@ -3362,13 +3363,18 @@
             <p:ph idx="1"/>
           </p:nvPr>
         </p:nvSpPr>
-        <p:spPr/>
-        <p:txBody>
-          <a:bodyPr/>
-          <a:lstStyle/>
-          <a:p>
-            <a:r>
-              <a:rPr lang="en-US" dirty="0" smtClean="0"/>
+        <p:spPr>
+          <a:xfrm>
+            <a:off x="2231136" y="2118901"/>
+            <a:ext cx="7729728" cy="3101983"/>
+          </a:xfrm>
+        </p:spPr>
+        <p:txBody>
+          <a:bodyPr/>
+          <a:lstStyle/>
+          <a:p>
+            <a:r>
+              <a:rPr lang="en-US" dirty="0"/>
               <a:t>Try our service out at:       </a:t>
             </a:r>
             <a:r>
@@ -3376,25 +3382,18 @@
                 <a:solidFill>
                   <a:srgbClr val="00B0F0"/>
                 </a:solidFill>
+                <a:hlinkClick r:id="rId2"/>
               </a:rPr>
-              <a:t>m</a:t>
-            </a:r>
-            <a:r>
-              <a:rPr lang="en-US" b="1" dirty="0" smtClean="0">
-                <a:solidFill>
-                  <a:srgbClr val="00B0F0"/>
-                </a:solidFill>
-              </a:rPr>
-              <a:t>4rks.site</a:t>
-            </a:r>
-            <a:r>
-              <a:rPr lang="en-US" dirty="0" smtClean="0"/>
+              <a:t>m4rks.site</a:t>
+            </a:r>
+            <a:r>
+              <a:rPr lang="en-US" dirty="0"/>
               <a:t>      from your browser.</a:t>
             </a:r>
           </a:p>
           <a:p>
             <a:r>
-              <a:rPr lang="en-US" dirty="0" smtClean="0"/>
+              <a:rPr lang="en-US" dirty="0"/>
               <a:t>We have limited bandwidth, so please be patience.</a:t>
             </a:r>
           </a:p>
@@ -3406,7 +3405,7 @@
     </p:spTree>
     <p:extLst>
       <p:ext uri="{BB962C8B-B14F-4D97-AF65-F5344CB8AC3E}">
-        <p14:creationId xmlns:p14="http://schemas.microsoft.com/office/powerpoint/2010/main" val="2053557868"/>
+        <p14:creationId xmlns:p14="http://schemas.microsoft.com/office/powerpoint/2010/main" val="30744634"/>
       </p:ext>
     </p:extLst>
   </p:cSld>
@@ -3449,82 +3448,9 @@
           <a:lstStyle/>
           <a:p>
             <a:r>
-              <a:rPr lang="en-US" dirty="0" smtClean="0"/>
-              <a:t>Gantt chart</a:t>
-            </a:r>
-            <a:endParaRPr lang="en-US" dirty="0"/>
-          </a:p>
-        </p:txBody>
-      </p:sp>
-      <p:sp>
-        <p:nvSpPr>
-          <p:cNvPr id="3" name="Content Placeholder 2"/>
-          <p:cNvSpPr>
-            <a:spLocks noGrp="1"/>
-          </p:cNvSpPr>
-          <p:nvPr>
-            <p:ph idx="1"/>
-          </p:nvPr>
-        </p:nvSpPr>
-        <p:spPr/>
-        <p:txBody>
-          <a:bodyPr/>
-          <a:lstStyle/>
-          <a:p>
-            <a:endParaRPr lang="en-US" dirty="0"/>
-          </a:p>
-        </p:txBody>
-      </p:sp>
-    </p:spTree>
-    <p:extLst>
-      <p:ext uri="{BB962C8B-B14F-4D97-AF65-F5344CB8AC3E}">
-        <p14:creationId xmlns:p14="http://schemas.microsoft.com/office/powerpoint/2010/main" val="2146188812"/>
-      </p:ext>
-    </p:extLst>
-  </p:cSld>
-  <p:clrMapOvr>
-    <a:masterClrMapping/>
-  </p:clrMapOvr>
-</p:sld>
-</file>
-
-<file path=ppt/slides/slide12.xml><?xml version="1.0" encoding="utf-8"?>
-<p:sld xmlns:a="http://schemas.openxmlformats.org/drawingml/2006/main" xmlns:r="http://schemas.openxmlformats.org/officeDocument/2006/relationships" xmlns:p="http://schemas.openxmlformats.org/presentationml/2006/main">
-  <p:cSld>
-    <p:spTree>
-      <p:nvGrpSpPr>
-        <p:cNvPr id="1" name=""/>
-        <p:cNvGrpSpPr/>
-        <p:nvPr/>
-      </p:nvGrpSpPr>
-      <p:grpSpPr>
-        <a:xfrm>
-          <a:off x="0" y="0"/>
-          <a:ext cx="0" cy="0"/>
-          <a:chOff x="0" y="0"/>
-          <a:chExt cx="0" cy="0"/>
-        </a:xfrm>
-      </p:grpSpPr>
-      <p:sp>
-        <p:nvSpPr>
-          <p:cNvPr id="2" name="Title 1"/>
-          <p:cNvSpPr>
-            <a:spLocks noGrp="1"/>
-          </p:cNvSpPr>
-          <p:nvPr>
-            <p:ph type="title"/>
-          </p:nvPr>
-        </p:nvSpPr>
-        <p:spPr/>
-        <p:txBody>
-          <a:bodyPr/>
-          <a:lstStyle/>
-          <a:p>
-            <a:r>
-              <a:rPr lang="en-US" dirty="0" smtClean="0"/>
+              <a:rPr lang="en-US" dirty="0"/>
               <a:t>questions</a:t>
             </a:r>
-            <a:endParaRPr lang="en-US" dirty="0"/>
           </a:p>
         </p:txBody>
       </p:sp>
@@ -3594,16 +3520,20 @@
             <p:ph type="title"/>
           </p:nvPr>
         </p:nvSpPr>
-        <p:spPr/>
-        <p:txBody>
-          <a:bodyPr/>
-          <a:lstStyle/>
-          <a:p>
-            <a:r>
-              <a:rPr lang="en-US" dirty="0" smtClean="0"/>
+        <p:spPr>
+          <a:xfrm>
+            <a:off x="2231136" y="377559"/>
+            <a:ext cx="7729728" cy="1188720"/>
+          </a:xfrm>
+        </p:spPr>
+        <p:txBody>
+          <a:bodyPr/>
+          <a:lstStyle/>
+          <a:p>
+            <a:r>
+              <a:rPr lang="en-US" dirty="0"/>
               <a:t>Team members</a:t>
             </a:r>
-            <a:endParaRPr lang="en-US" dirty="0"/>
           </a:p>
         </p:txBody>
       </p:sp>
@@ -3617,74 +3547,79 @@
             <p:ph idx="1"/>
           </p:nvPr>
         </p:nvSpPr>
-        <p:spPr/>
-        <p:txBody>
-          <a:bodyPr/>
-          <a:lstStyle/>
-          <a:p>
-            <a:r>
-              <a:rPr lang="en-US" dirty="0" smtClean="0"/>
-              <a:t>Mark Nguyen</a:t>
-            </a:r>
-          </a:p>
-          <a:p>
-            <a:r>
-              <a:rPr lang="en-US" dirty="0" smtClean="0"/>
-              <a:t>Alexander Hunt</a:t>
-            </a:r>
-          </a:p>
-          <a:p>
-            <a:r>
-              <a:rPr lang="en-US" dirty="0" err="1" smtClean="0"/>
-              <a:t>Pallavi</a:t>
-            </a:r>
-            <a:r>
-              <a:rPr lang="en-US" dirty="0" smtClean="0"/>
-              <a:t> </a:t>
-            </a:r>
-            <a:r>
-              <a:rPr lang="en-US" dirty="0" err="1" smtClean="0"/>
-              <a:t>Dacre</a:t>
-            </a:r>
-            <a:endParaRPr lang="en-US" dirty="0" smtClean="0"/>
-          </a:p>
-          <a:p>
-            <a:r>
-              <a:rPr lang="en-US" dirty="0" smtClean="0"/>
+        <p:spPr>
+          <a:xfrm>
+            <a:off x="2231136" y="2118901"/>
+            <a:ext cx="7729728" cy="3101983"/>
+          </a:xfrm>
+        </p:spPr>
+        <p:txBody>
+          <a:bodyPr/>
+          <a:lstStyle/>
+          <a:p>
+            <a:r>
+              <a:rPr lang="en-US" dirty="0"/>
               <a:t>Dennis </a:t>
             </a:r>
             <a:r>
-              <a:rPr lang="en-US" dirty="0" err="1" smtClean="0"/>
+              <a:rPr lang="en-US" dirty="0" err="1"/>
               <a:t>Gebken</a:t>
             </a:r>
-            <a:endParaRPr lang="en-US" dirty="0" smtClean="0"/>
-          </a:p>
-          <a:p>
-            <a:r>
-              <a:rPr lang="en-US" dirty="0" smtClean="0"/>
+            <a:r>
+              <a:rPr lang="en-US" dirty="0"/>
+              <a:t> – Frontend</a:t>
+            </a:r>
+          </a:p>
+          <a:p>
+            <a:r>
+              <a:rPr lang="en-US" dirty="0"/>
               <a:t>Steffen J </a:t>
             </a:r>
             <a:r>
-              <a:rPr lang="en-US" dirty="0" err="1" smtClean="0"/>
+              <a:rPr lang="en-US" dirty="0" err="1"/>
               <a:t>Camarato</a:t>
             </a:r>
-            <a:endParaRPr lang="en-US" dirty="0" smtClean="0"/>
-          </a:p>
-          <a:p>
-            <a:r>
-              <a:rPr lang="en-US" dirty="0" smtClean="0"/>
+            <a:r>
+              <a:rPr lang="en-US" dirty="0"/>
+              <a:t> – Frontend </a:t>
+            </a:r>
+          </a:p>
+          <a:p>
+            <a:r>
+              <a:rPr lang="en-US" dirty="0"/>
+              <a:t>Pallavi Dacre – Project Manager,  API</a:t>
+            </a:r>
+          </a:p>
+          <a:p>
+            <a:r>
+              <a:rPr lang="en-US" dirty="0"/>
               <a:t>Matthew </a:t>
             </a:r>
             <a:r>
-              <a:rPr lang="en-US" dirty="0" err="1" smtClean="0"/>
+              <a:rPr lang="en-US" dirty="0" err="1"/>
               <a:t>Bonsignore</a:t>
             </a:r>
-            <a:endParaRPr lang="en-US" dirty="0" smtClean="0"/>
-          </a:p>
-          <a:p>
-            <a:r>
-              <a:rPr lang="en-US" dirty="0" smtClean="0"/>
-              <a:t>Adam Henderson</a:t>
+            <a:r>
+              <a:rPr lang="en-US" dirty="0"/>
+              <a:t> – API</a:t>
+            </a:r>
+          </a:p>
+          <a:p>
+            <a:r>
+              <a:rPr lang="en-US" dirty="0"/>
+              <a:t>Adam Henderson – API</a:t>
+            </a:r>
+          </a:p>
+          <a:p>
+            <a:r>
+              <a:rPr lang="en-US" dirty="0"/>
+              <a:t>Mark Nguyen – Web hosting &amp; Remote Database</a:t>
+            </a:r>
+          </a:p>
+          <a:p>
+            <a:r>
+              <a:rPr lang="en-US" dirty="0"/>
+              <a:t>Alexander Hunt – Web hosting &amp; Remote Database </a:t>
             </a:r>
           </a:p>
           <a:p>
@@ -3732,16 +3667,20 @@
             <p:ph type="title"/>
           </p:nvPr>
         </p:nvSpPr>
-        <p:spPr/>
-        <p:txBody>
-          <a:bodyPr/>
-          <a:lstStyle/>
-          <a:p>
-            <a:r>
-              <a:rPr lang="en-US" dirty="0" smtClean="0"/>
+        <p:spPr>
+          <a:xfrm>
+            <a:off x="2231136" y="377559"/>
+            <a:ext cx="7729728" cy="1188720"/>
+          </a:xfrm>
+        </p:spPr>
+        <p:txBody>
+          <a:bodyPr/>
+          <a:lstStyle/>
+          <a:p>
+            <a:r>
+              <a:rPr lang="en-US" dirty="0"/>
               <a:t>Functionalities</a:t>
             </a:r>
-            <a:endParaRPr lang="en-US" dirty="0"/>
           </a:p>
         </p:txBody>
       </p:sp>
@@ -3755,31 +3694,71 @@
             <p:ph idx="1"/>
           </p:nvPr>
         </p:nvSpPr>
-        <p:spPr/>
-        <p:txBody>
-          <a:bodyPr/>
-          <a:lstStyle/>
-          <a:p>
-            <a:r>
-              <a:rPr lang="en-US" dirty="0" smtClean="0"/>
-              <a:t>Providing users an secure login into a remote database.</a:t>
-            </a:r>
-          </a:p>
-          <a:p>
-            <a:r>
-              <a:rPr lang="en-US" dirty="0" smtClean="0"/>
-              <a:t>Helping users manage their contacts with the simplest interface.</a:t>
-            </a:r>
-          </a:p>
-          <a:p>
-            <a:endParaRPr lang="en-US" dirty="0"/>
+        <p:spPr>
+          <a:xfrm>
+            <a:off x="2313727" y="2114034"/>
+            <a:ext cx="7729728" cy="3101983"/>
+          </a:xfrm>
+        </p:spPr>
+        <p:txBody>
+          <a:bodyPr/>
+          <a:lstStyle/>
+          <a:p>
+            <a:r>
+              <a:rPr lang="en-US" dirty="0"/>
+              <a:t>Providing users a secure login into a remote database</a:t>
+            </a:r>
+          </a:p>
+          <a:p>
+            <a:r>
+              <a:rPr lang="en-US" dirty="0"/>
+              <a:t>Helping users manage their contacts with the simplest interface</a:t>
+            </a:r>
+          </a:p>
+          <a:p>
+            <a:endParaRPr lang="en-US" dirty="0"/>
+          </a:p>
+        </p:txBody>
+      </p:sp>
+      <p:sp>
+        <p:nvSpPr>
+          <p:cNvPr id="4" name="TextBox 3">
+            <a:extLst>
+              <a:ext uri="{FF2B5EF4-FFF2-40B4-BE49-F238E27FC236}">
+                <a16:creationId xmlns:a16="http://schemas.microsoft.com/office/drawing/2014/main" id="{CCA824CD-583A-463E-B3A2-BE08F7718C8B}"/>
+              </a:ext>
+            </a:extLst>
+          </p:cNvPr>
+          <p:cNvSpPr txBox="1"/>
+          <p:nvPr/>
+        </p:nvSpPr>
+        <p:spPr>
+          <a:xfrm>
+            <a:off x="4713585" y="4430415"/>
+            <a:ext cx="3085362" cy="369332"/>
+          </a:xfrm>
+          <a:prstGeom prst="rect">
+            <a:avLst/>
+          </a:prstGeom>
+          <a:noFill/>
+        </p:spPr>
+        <p:txBody>
+          <a:bodyPr wrap="square" rtlCol="0">
+            <a:spAutoFit/>
+          </a:bodyPr>
+          <a:lstStyle/>
+          <a:p>
+            <a:r>
+              <a:rPr lang="en-US" dirty="0"/>
+              <a:t>Add screenshots from website</a:t>
+            </a:r>
           </a:p>
         </p:txBody>
       </p:sp>
     </p:spTree>
     <p:extLst>
       <p:ext uri="{BB962C8B-B14F-4D97-AF65-F5344CB8AC3E}">
-        <p14:creationId xmlns:p14="http://schemas.microsoft.com/office/powerpoint/2010/main" val="929944754"/>
+        <p14:creationId xmlns:p14="http://schemas.microsoft.com/office/powerpoint/2010/main" val="221847313"/>
       </p:ext>
     </p:extLst>
   </p:cSld>
@@ -3816,16 +3795,20 @@
             <p:ph type="title"/>
           </p:nvPr>
         </p:nvSpPr>
-        <p:spPr/>
-        <p:txBody>
-          <a:bodyPr/>
-          <a:lstStyle/>
-          <a:p>
-            <a:r>
-              <a:rPr lang="en-US" dirty="0" smtClean="0"/>
-              <a:t>Team contribution</a:t>
-            </a:r>
-            <a:endParaRPr lang="en-US" dirty="0"/>
+        <p:spPr>
+          <a:xfrm>
+            <a:off x="2231136" y="377559"/>
+            <a:ext cx="7729728" cy="1188720"/>
+          </a:xfrm>
+        </p:spPr>
+        <p:txBody>
+          <a:bodyPr/>
+          <a:lstStyle/>
+          <a:p>
+            <a:r>
+              <a:rPr lang="en-US" dirty="0"/>
+              <a:t>documentation</a:t>
+            </a:r>
           </a:p>
         </p:txBody>
       </p:sp>
@@ -3839,35 +3822,121 @@
             <p:ph idx="1"/>
           </p:nvPr>
         </p:nvSpPr>
-        <p:spPr/>
-        <p:txBody>
-          <a:bodyPr/>
-          <a:lstStyle/>
-          <a:p>
-            <a:r>
-              <a:rPr lang="en-US" dirty="0" smtClean="0"/>
-              <a:t>Front end:</a:t>
-            </a:r>
-          </a:p>
-          <a:p>
-            <a:r>
-              <a:rPr lang="en-US" dirty="0" smtClean="0"/>
-              <a:t>API:</a:t>
-            </a:r>
-          </a:p>
-          <a:p>
-            <a:r>
-              <a:rPr lang="en-US" dirty="0" smtClean="0"/>
-              <a:t>Database and server: Mark Nguyen and Alex Hunt</a:t>
-            </a:r>
-            <a:endParaRPr lang="en-US" dirty="0"/>
-          </a:p>
-        </p:txBody>
-      </p:sp>
+        <p:spPr>
+          <a:xfrm>
+            <a:off x="1193637" y="1780293"/>
+            <a:ext cx="4762806" cy="4837471"/>
+          </a:xfrm>
+        </p:spPr>
+        <p:txBody>
+          <a:bodyPr>
+            <a:normAutofit/>
+          </a:bodyPr>
+          <a:lstStyle/>
+          <a:p>
+            <a:r>
+              <a:rPr lang="en-US" dirty="0"/>
+              <a:t>Use Case Diagram</a:t>
+            </a:r>
+          </a:p>
+          <a:p>
+            <a:r>
+              <a:rPr lang="en-US" dirty="0"/>
+              <a:t>High-level</a:t>
+            </a:r>
+          </a:p>
+          <a:p>
+            <a:r>
+              <a:rPr lang="en-US" dirty="0"/>
+              <a:t>System: Contact Manager</a:t>
+            </a:r>
+          </a:p>
+          <a:p>
+            <a:r>
+              <a:rPr lang="en-US" dirty="0"/>
+              <a:t>Actor: User (primary actor - displayed to the </a:t>
+            </a:r>
+            <a:r>
+              <a:rPr lang="en-US" b="1" dirty="0"/>
+              <a:t>left</a:t>
+            </a:r>
+            <a:r>
+              <a:rPr lang="en-US" dirty="0"/>
+              <a:t>)</a:t>
+            </a:r>
+          </a:p>
+          <a:p>
+            <a:r>
+              <a:rPr lang="en-US" dirty="0"/>
+              <a:t>Base Use Cases: Register, Login, Add Contact, Search Contacts, Logout</a:t>
+            </a:r>
+          </a:p>
+          <a:p>
+            <a:pPr lvl="1"/>
+            <a:r>
+              <a:rPr lang="en-US" dirty="0"/>
+              <a:t>Included Use Cases: Enter </a:t>
+            </a:r>
+            <a:r>
+              <a:rPr lang="en-US" dirty="0" err="1"/>
+              <a:t>UserName</a:t>
+            </a:r>
+            <a:r>
+              <a:rPr lang="en-US" dirty="0"/>
+              <a:t> &amp; Password, Verify </a:t>
+            </a:r>
+            <a:r>
+              <a:rPr lang="en-US" dirty="0" err="1"/>
+              <a:t>UserName</a:t>
+            </a:r>
+            <a:r>
+              <a:rPr lang="en-US" dirty="0"/>
+              <a:t> &amp; Password </a:t>
+            </a:r>
+          </a:p>
+          <a:p>
+            <a:pPr lvl="1"/>
+            <a:r>
+              <a:rPr lang="en-US" dirty="0"/>
+              <a:t>Extended Use Cases: Display Login Error, Delete Contact, View Contact; Delete and View are extended from Search, because the user must search for the contact before they can view or delete it</a:t>
+            </a:r>
+          </a:p>
+        </p:txBody>
+      </p:sp>
+      <p:pic>
+        <p:nvPicPr>
+          <p:cNvPr id="6" name="Picture 5">
+            <a:extLst>
+              <a:ext uri="{FF2B5EF4-FFF2-40B4-BE49-F238E27FC236}">
+                <a16:creationId xmlns:a16="http://schemas.microsoft.com/office/drawing/2014/main" id="{644D6B16-91B0-430C-8D78-AD417BD667DE}"/>
+              </a:ext>
+            </a:extLst>
+          </p:cNvPr>
+          <p:cNvPicPr>
+            <a:picLocks noChangeAspect="1"/>
+          </p:cNvPicPr>
+          <p:nvPr/>
+        </p:nvPicPr>
+        <p:blipFill>
+          <a:blip r:embed="rId2"/>
+          <a:stretch>
+            <a:fillRect/>
+          </a:stretch>
+        </p:blipFill>
+        <p:spPr>
+          <a:xfrm>
+            <a:off x="6235559" y="1696226"/>
+            <a:ext cx="4981584" cy="5005603"/>
+          </a:xfrm>
+          <a:prstGeom prst="rect">
+            <a:avLst/>
+          </a:prstGeom>
+        </p:spPr>
+      </p:pic>
     </p:spTree>
     <p:extLst>
       <p:ext uri="{BB962C8B-B14F-4D97-AF65-F5344CB8AC3E}">
-        <p14:creationId xmlns:p14="http://schemas.microsoft.com/office/powerpoint/2010/main" val="1874672902"/>
+        <p14:creationId xmlns:p14="http://schemas.microsoft.com/office/powerpoint/2010/main" val="3836832869"/>
       </p:ext>
     </p:extLst>
   </p:cSld>
@@ -3904,16 +3973,20 @@
             <p:ph type="title"/>
           </p:nvPr>
         </p:nvSpPr>
-        <p:spPr/>
-        <p:txBody>
-          <a:bodyPr/>
-          <a:lstStyle/>
-          <a:p>
-            <a:r>
-              <a:rPr lang="en-US" dirty="0" smtClean="0"/>
-              <a:t>Use case diagram</a:t>
-            </a:r>
-            <a:endParaRPr lang="en-US" dirty="0"/>
+        <p:spPr>
+          <a:xfrm>
+            <a:off x="2231136" y="377559"/>
+            <a:ext cx="7729728" cy="1188720"/>
+          </a:xfrm>
+        </p:spPr>
+        <p:txBody>
+          <a:bodyPr/>
+          <a:lstStyle/>
+          <a:p>
+            <a:r>
+              <a:rPr lang="en-US" dirty="0"/>
+              <a:t>documentation</a:t>
+            </a:r>
           </a:p>
         </p:txBody>
       </p:sp>
@@ -3927,19 +4000,60 @@
             <p:ph idx="1"/>
           </p:nvPr>
         </p:nvSpPr>
-        <p:spPr/>
-        <p:txBody>
-          <a:bodyPr/>
-          <a:lstStyle/>
-          <a:p>
-            <a:endParaRPr lang="en-US" dirty="0"/>
-          </a:p>
-        </p:txBody>
-      </p:sp>
+        <p:spPr>
+          <a:xfrm>
+            <a:off x="2182040" y="1878008"/>
+            <a:ext cx="7729728" cy="552209"/>
+          </a:xfrm>
+        </p:spPr>
+        <p:txBody>
+          <a:bodyPr/>
+          <a:lstStyle/>
+          <a:p>
+            <a:r>
+              <a:rPr lang="en-US" dirty="0"/>
+              <a:t>Class Diagram</a:t>
+            </a:r>
+          </a:p>
+          <a:p>
+            <a:endParaRPr lang="en-US" dirty="0"/>
+          </a:p>
+        </p:txBody>
+      </p:sp>
+      <p:pic>
+        <p:nvPicPr>
+          <p:cNvPr id="7" name="Picture 6">
+            <a:extLst>
+              <a:ext uri="{FF2B5EF4-FFF2-40B4-BE49-F238E27FC236}">
+                <a16:creationId xmlns:a16="http://schemas.microsoft.com/office/drawing/2014/main" id="{5A976DF2-AF8B-4E31-ADC8-5574410E1496}"/>
+              </a:ext>
+            </a:extLst>
+          </p:cNvPr>
+          <p:cNvPicPr>
+            <a:picLocks noChangeAspect="1"/>
+          </p:cNvPicPr>
+          <p:nvPr/>
+        </p:nvPicPr>
+        <p:blipFill>
+          <a:blip r:embed="rId2"/>
+          <a:stretch>
+            <a:fillRect/>
+          </a:stretch>
+        </p:blipFill>
+        <p:spPr>
+          <a:xfrm>
+            <a:off x="2182040" y="2430217"/>
+            <a:ext cx="7733858" cy="4000080"/>
+          </a:xfrm>
+          <a:prstGeom prst="rect">
+            <a:avLst/>
+          </a:prstGeom>
+        </p:spPr>
+      </p:pic>
     </p:spTree>
     <p:extLst>
       <p:ext uri="{BB962C8B-B14F-4D97-AF65-F5344CB8AC3E}">
-        <p14:creationId xmlns:p14="http://schemas.microsoft.com/office/powerpoint/2010/main" val="1165169288"/>
+        <p14:creationId xmlns:p14="http://schemas.microsoft.com/office/powerpoint/2010/main" val="386716537"/>
       </p:ext>
     </p:extLst>
   </p:cSld>
@@ -3976,16 +4090,20 @@
             <p:ph type="title"/>
           </p:nvPr>
         </p:nvSpPr>
-        <p:spPr/>
-        <p:txBody>
-          <a:bodyPr/>
-          <a:lstStyle/>
-          <a:p>
-            <a:r>
-              <a:rPr lang="en-US" dirty="0" smtClean="0"/>
-              <a:t>Class diagram</a:t>
-            </a:r>
-            <a:endParaRPr lang="en-US" dirty="0"/>
+        <p:spPr>
+          <a:xfrm>
+            <a:off x="2231136" y="377559"/>
+            <a:ext cx="7729728" cy="1188720"/>
+          </a:xfrm>
+        </p:spPr>
+        <p:txBody>
+          <a:bodyPr/>
+          <a:lstStyle/>
+          <a:p>
+            <a:r>
+              <a:rPr lang="en-US" dirty="0"/>
+              <a:t>documentation</a:t>
+            </a:r>
           </a:p>
         </p:txBody>
       </p:sp>
@@ -3999,19 +4117,60 @@
             <p:ph idx="1"/>
           </p:nvPr>
         </p:nvSpPr>
-        <p:spPr/>
-        <p:txBody>
-          <a:bodyPr/>
-          <a:lstStyle/>
-          <a:p>
-            <a:endParaRPr lang="en-US"/>
-          </a:p>
-        </p:txBody>
-      </p:sp>
+        <p:spPr>
+          <a:xfrm>
+            <a:off x="2231136" y="2118901"/>
+            <a:ext cx="4057576" cy="3101983"/>
+          </a:xfrm>
+        </p:spPr>
+        <p:txBody>
+          <a:bodyPr/>
+          <a:lstStyle/>
+          <a:p>
+            <a:r>
+              <a:rPr lang="en-US" dirty="0"/>
+              <a:t>Entity Relationship Diagram</a:t>
+            </a:r>
+          </a:p>
+          <a:p>
+            <a:endParaRPr lang="en-US" dirty="0"/>
+          </a:p>
+        </p:txBody>
+      </p:sp>
+      <p:pic>
+        <p:nvPicPr>
+          <p:cNvPr id="4" name="Picture 3">
+            <a:extLst>
+              <a:ext uri="{FF2B5EF4-FFF2-40B4-BE49-F238E27FC236}">
+                <a16:creationId xmlns:a16="http://schemas.microsoft.com/office/drawing/2014/main" id="{17C4ACE4-0956-4430-B3D0-04DE201EEDF5}"/>
+              </a:ext>
+            </a:extLst>
+          </p:cNvPr>
+          <p:cNvPicPr>
+            <a:picLocks noChangeAspect="1"/>
+          </p:cNvPicPr>
+          <p:nvPr/>
+        </p:nvPicPr>
+        <p:blipFill>
+          <a:blip r:embed="rId2"/>
+          <a:stretch>
+            <a:fillRect/>
+          </a:stretch>
+        </p:blipFill>
+        <p:spPr>
+          <a:xfrm>
+            <a:off x="6513393" y="1941382"/>
+            <a:ext cx="3017782" cy="4499238"/>
+          </a:xfrm>
+          <a:prstGeom prst="rect">
+            <a:avLst/>
+          </a:prstGeom>
+        </p:spPr>
+      </p:pic>
     </p:spTree>
     <p:extLst>
       <p:ext uri="{BB962C8B-B14F-4D97-AF65-F5344CB8AC3E}">
-        <p14:creationId xmlns:p14="http://schemas.microsoft.com/office/powerpoint/2010/main" val="2119392273"/>
+        <p14:creationId xmlns:p14="http://schemas.microsoft.com/office/powerpoint/2010/main" val="372370829"/>
       </p:ext>
     </p:extLst>
   </p:cSld>
@@ -4048,56 +4207,140 @@
             <p:ph type="title"/>
           </p:nvPr>
         </p:nvSpPr>
-        <p:spPr/>
-        <p:txBody>
-          <a:bodyPr/>
-          <a:lstStyle/>
-          <a:p>
-            <a:r>
-              <a:rPr lang="en-US" dirty="0" err="1" smtClean="0"/>
-              <a:t>Erd</a:t>
-            </a:r>
-            <a:r>
-              <a:rPr lang="en-US" dirty="0" smtClean="0"/>
-              <a:t>(entity-relationship-model)</a:t>
-            </a:r>
-            <a:endParaRPr lang="en-US" dirty="0"/>
+        <p:spPr>
+          <a:xfrm>
+            <a:off x="2231136" y="377559"/>
+            <a:ext cx="7729728" cy="1188720"/>
+          </a:xfrm>
+        </p:spPr>
+        <p:txBody>
+          <a:bodyPr/>
+          <a:lstStyle/>
+          <a:p>
+            <a:r>
+              <a:rPr lang="en-US" dirty="0"/>
+              <a:t>documentation</a:t>
+            </a:r>
+          </a:p>
+        </p:txBody>
+      </p:sp>
+      <p:sp>
+        <p:nvSpPr>
+          <p:cNvPr id="3" name="Content Placeholder 2"/>
+          <p:cNvSpPr>
+            <a:spLocks noGrp="1"/>
+          </p:cNvSpPr>
+          <p:nvPr>
+            <p:ph idx="1"/>
+          </p:nvPr>
+        </p:nvSpPr>
+        <p:spPr>
+          <a:xfrm>
+            <a:off x="2231136" y="2118901"/>
+            <a:ext cx="3697716" cy="3101983"/>
+          </a:xfrm>
+        </p:spPr>
+        <p:txBody>
+          <a:bodyPr/>
+          <a:lstStyle/>
+          <a:p>
+            <a:r>
+              <a:rPr lang="en-US" dirty="0"/>
+              <a:t>Gantt chart, created using </a:t>
+            </a:r>
+            <a:r>
+              <a:rPr lang="en-US" dirty="0" err="1"/>
+              <a:t>Instagantt</a:t>
+            </a:r>
+            <a:r>
+              <a:rPr lang="en-US" dirty="0"/>
+              <a:t> </a:t>
+            </a:r>
+          </a:p>
+          <a:p>
+            <a:r>
+              <a:rPr lang="en-US" dirty="0"/>
+              <a:t>Not that useful for small projects</a:t>
+            </a:r>
           </a:p>
         </p:txBody>
       </p:sp>
       <p:pic>
         <p:nvPicPr>
-          <p:cNvPr id="6" name="Content Placeholder 5"/>
+          <p:cNvPr id="4" name="Picture 3">
+            <a:extLst>
+              <a:ext uri="{FF2B5EF4-FFF2-40B4-BE49-F238E27FC236}">
+                <a16:creationId xmlns:a16="http://schemas.microsoft.com/office/drawing/2014/main" id="{FB965E14-0334-42DE-906B-104834F4C667}"/>
+              </a:ext>
+            </a:extLst>
+          </p:cNvPr>
           <p:cNvPicPr>
-            <a:picLocks noGrp="1" noChangeAspect="1"/>
+            <a:picLocks noChangeAspect="1"/>
           </p:cNvPicPr>
-          <p:nvPr>
-            <p:ph idx="1"/>
-          </p:nvPr>
+          <p:nvPr/>
         </p:nvPicPr>
         <p:blipFill>
-          <a:blip r:embed="rId2">
-            <a:extLst>
-              <a:ext uri="{28A0092B-C50C-407E-A947-70E740481C1C}">
-                <a14:useLocalDpi xmlns:a14="http://schemas.microsoft.com/office/drawing/2010/main" val="0"/>
-              </a:ext>
-            </a:extLst>
-          </a:blip>
+          <a:blip r:embed="rId2"/>
           <a:stretch>
             <a:fillRect/>
           </a:stretch>
         </p:blipFill>
         <p:spPr>
           <a:xfrm>
-            <a:off x="4371976" y="2153412"/>
-            <a:ext cx="3014661" cy="4497283"/>
-          </a:xfrm>
+            <a:off x="6096000" y="1784659"/>
+            <a:ext cx="5024335" cy="4830933"/>
+          </a:xfrm>
+          <a:prstGeom prst="rect">
+            <a:avLst/>
+          </a:prstGeom>
         </p:spPr>
       </p:pic>
+      <p:sp>
+        <p:nvSpPr>
+          <p:cNvPr id="5" name="TextBox 4">
+            <a:extLst>
+              <a:ext uri="{FF2B5EF4-FFF2-40B4-BE49-F238E27FC236}">
+                <a16:creationId xmlns:a16="http://schemas.microsoft.com/office/drawing/2014/main" id="{E8DB3553-D820-4DB3-A553-3F0AEB5FEB85}"/>
+              </a:ext>
+            </a:extLst>
+          </p:cNvPr>
+          <p:cNvSpPr txBox="1"/>
+          <p:nvPr/>
+        </p:nvSpPr>
+        <p:spPr>
+          <a:xfrm>
+            <a:off x="7618082" y="1923190"/>
+            <a:ext cx="702023" cy="276999"/>
+          </a:xfrm>
+          <a:prstGeom prst="rect">
+            <a:avLst/>
+          </a:prstGeom>
+          <a:noFill/>
+        </p:spPr>
+        <p:txBody>
+          <a:bodyPr wrap="square" rtlCol="0">
+            <a:spAutoFit/>
+          </a:bodyPr>
+          <a:lstStyle/>
+          <a:p>
+            <a:pPr algn="ctr"/>
+            <a:r>
+              <a:rPr lang="en-US" sz="1200" dirty="0">
+                <a:solidFill>
+                  <a:schemeClr val="bg1">
+                    <a:lumMod val="65000"/>
+                  </a:schemeClr>
+                </a:solidFill>
+              </a:rPr>
+              <a:t>June </a:t>
+            </a:r>
+          </a:p>
+        </p:txBody>
+      </p:sp>
     </p:spTree>
     <p:extLst>
       <p:ext uri="{BB962C8B-B14F-4D97-AF65-F5344CB8AC3E}">
-        <p14:creationId xmlns:p14="http://schemas.microsoft.com/office/powerpoint/2010/main" val="1821590942"/>
+        <p14:creationId xmlns:p14="http://schemas.microsoft.com/office/powerpoint/2010/main" val="1758378906"/>
       </p:ext>
     </p:extLst>
   </p:cSld>
@@ -4134,16 +4377,20 @@
             <p:ph type="title"/>
           </p:nvPr>
         </p:nvSpPr>
-        <p:spPr/>
-        <p:txBody>
-          <a:bodyPr/>
-          <a:lstStyle/>
-          <a:p>
-            <a:r>
-              <a:rPr lang="en-US" dirty="0" smtClean="0"/>
-              <a:t>Difficulties</a:t>
-            </a:r>
-            <a:endParaRPr lang="en-US" dirty="0"/>
+        <p:spPr>
+          <a:xfrm>
+            <a:off x="2231136" y="377559"/>
+            <a:ext cx="7729728" cy="1188720"/>
+          </a:xfrm>
+        </p:spPr>
+        <p:txBody>
+          <a:bodyPr/>
+          <a:lstStyle/>
+          <a:p>
+            <a:r>
+              <a:rPr lang="en-US" dirty="0"/>
+              <a:t>difficulties</a:t>
+            </a:r>
           </a:p>
         </p:txBody>
       </p:sp>
@@ -4157,27 +4404,62 @@
             <p:ph idx="1"/>
           </p:nvPr>
         </p:nvSpPr>
-        <p:spPr/>
-        <p:txBody>
-          <a:bodyPr/>
-          <a:lstStyle/>
-          <a:p>
-            <a:r>
-              <a:rPr lang="en-US" dirty="0" smtClean="0"/>
-              <a:t>Front end:</a:t>
-            </a:r>
-          </a:p>
-          <a:p>
-            <a:r>
-              <a:rPr lang="en-US" dirty="0" smtClean="0"/>
-              <a:t>API:</a:t>
-            </a:r>
-          </a:p>
-          <a:p>
-            <a:r>
-              <a:rPr lang="en-US" dirty="0" smtClean="0"/>
-              <a:t>Database and server: Having to learn from the beginning of how to run a website with remote database. The provided tool from the web hosting service is not up to date, so we implement what we need and cross fingers.</a:t>
-            </a:r>
+        <p:spPr>
+          <a:xfrm>
+            <a:off x="2231136" y="2118901"/>
+            <a:ext cx="7729728" cy="3992831"/>
+          </a:xfrm>
+        </p:spPr>
+        <p:txBody>
+          <a:bodyPr/>
+          <a:lstStyle/>
+          <a:p>
+            <a:r>
+              <a:rPr lang="en-US" dirty="0"/>
+              <a:t>Frontend</a:t>
+            </a:r>
+          </a:p>
+          <a:p>
+            <a:r>
+              <a:rPr lang="en-US" dirty="0"/>
+              <a:t>API</a:t>
+            </a:r>
+          </a:p>
+          <a:p>
+            <a:pPr lvl="1"/>
+            <a:r>
+              <a:rPr lang="en-US" dirty="0"/>
+              <a:t>Understanding what an API is</a:t>
+            </a:r>
+          </a:p>
+          <a:p>
+            <a:pPr lvl="1"/>
+            <a:r>
+              <a:rPr lang="en-US" dirty="0"/>
+              <a:t>Learning PHP, HTML</a:t>
+            </a:r>
+          </a:p>
+          <a:p>
+            <a:r>
+              <a:rPr lang="en-US" dirty="0"/>
+              <a:t>Database and server</a:t>
+            </a:r>
+          </a:p>
+          <a:p>
+            <a:pPr lvl="1"/>
+            <a:r>
+              <a:rPr lang="en-US" dirty="0"/>
+              <a:t>Having to learn from the beginning of how to run a website with remote database</a:t>
+            </a:r>
+          </a:p>
+          <a:p>
+            <a:pPr lvl="1"/>
+            <a:r>
+              <a:rPr lang="en-US" dirty="0"/>
+              <a:t>The provided tool from the web hosting service is not up to date, so we implement what we need and cross fingers.</a:t>
+            </a:r>
+          </a:p>
+          <a:p>
             <a:endParaRPr lang="en-US" dirty="0"/>
           </a:p>
         </p:txBody>
@@ -4185,7 +4467,7 @@
     </p:spTree>
     <p:extLst>
       <p:ext uri="{BB962C8B-B14F-4D97-AF65-F5344CB8AC3E}">
-        <p14:creationId xmlns:p14="http://schemas.microsoft.com/office/powerpoint/2010/main" val="1274982710"/>
+        <p14:creationId xmlns:p14="http://schemas.microsoft.com/office/powerpoint/2010/main" val="2156789634"/>
       </p:ext>
     </p:extLst>
   </p:cSld>
@@ -4222,16 +4504,20 @@
             <p:ph type="title"/>
           </p:nvPr>
         </p:nvSpPr>
-        <p:spPr/>
-        <p:txBody>
-          <a:bodyPr/>
-          <a:lstStyle/>
-          <a:p>
-            <a:r>
-              <a:rPr lang="en-US" dirty="0" smtClean="0"/>
+        <p:spPr>
+          <a:xfrm>
+            <a:off x="2231136" y="377559"/>
+            <a:ext cx="7729728" cy="1188720"/>
+          </a:xfrm>
+        </p:spPr>
+        <p:txBody>
+          <a:bodyPr/>
+          <a:lstStyle/>
+          <a:p>
+            <a:r>
+              <a:rPr lang="en-US" dirty="0"/>
               <a:t>successes</a:t>
             </a:r>
-            <a:endParaRPr lang="en-US" dirty="0"/>
           </a:p>
         </p:txBody>
       </p:sp>
@@ -4245,26 +4531,69 @@
             <p:ph idx="1"/>
           </p:nvPr>
         </p:nvSpPr>
-        <p:spPr/>
-        <p:txBody>
-          <a:bodyPr/>
-          <a:lstStyle/>
-          <a:p>
-            <a:r>
-              <a:rPr lang="en-US" dirty="0" smtClean="0"/>
-              <a:t>Front end:</a:t>
-            </a:r>
-          </a:p>
-          <a:p>
-            <a:r>
-              <a:rPr lang="en-US" dirty="0" smtClean="0"/>
-              <a:t>API:</a:t>
-            </a:r>
-          </a:p>
-          <a:p>
-            <a:r>
-              <a:rPr lang="en-US" dirty="0" smtClean="0"/>
-              <a:t>Database and server:  We learned what we need to do for next time when we need to build a website. We come up with a simple database and minimal constrain between the tables, that may help the API team easily implement any query operation. </a:t>
+        <p:spPr>
+          <a:xfrm>
+            <a:off x="2231136" y="2118901"/>
+            <a:ext cx="7729728" cy="4075422"/>
+          </a:xfrm>
+        </p:spPr>
+        <p:txBody>
+          <a:bodyPr>
+            <a:normAutofit/>
+          </a:bodyPr>
+          <a:lstStyle/>
+          <a:p>
+            <a:r>
+              <a:rPr lang="en-US" dirty="0"/>
+              <a:t>Frontend</a:t>
+            </a:r>
+          </a:p>
+          <a:p>
+            <a:r>
+              <a:rPr lang="en-US" dirty="0"/>
+              <a:t>API</a:t>
+            </a:r>
+          </a:p>
+          <a:p>
+            <a:pPr lvl="1"/>
+            <a:r>
+              <a:rPr lang="en-US" dirty="0"/>
+              <a:t>Successfully connected to our database using </a:t>
+            </a:r>
+            <a:r>
+              <a:rPr lang="en-US" dirty="0" err="1"/>
+              <a:t>mysqli</a:t>
+            </a:r>
+            <a:r>
+              <a:rPr lang="en-US" dirty="0"/>
+              <a:t>() and interacted with the database</a:t>
+            </a:r>
+          </a:p>
+          <a:p>
+            <a:pPr lvl="1"/>
+            <a:r>
+              <a:rPr lang="en-US" dirty="0"/>
+              <a:t>Learned about database connections and how to use JSON to communicate b/w the frontend and the API</a:t>
+            </a:r>
+          </a:p>
+          <a:p>
+            <a:r>
+              <a:rPr lang="en-US" dirty="0"/>
+              <a:t>Database and server</a:t>
+            </a:r>
+          </a:p>
+          <a:p>
+            <a:pPr lvl="1"/>
+            <a:r>
+              <a:rPr lang="en-US" dirty="0"/>
+              <a:t> We learned what we need to do for next time when we need to build a website. </a:t>
+            </a:r>
+          </a:p>
+          <a:p>
+            <a:pPr lvl="1"/>
+            <a:r>
+              <a:rPr lang="en-US" dirty="0"/>
+              <a:t>We came up with a simple database and minimal constrain between the tables that helped the API team easily implement any query operation. </a:t>
             </a:r>
           </a:p>
           <a:p>
@@ -4275,7 +4604,7 @@
     </p:spTree>
     <p:extLst>
       <p:ext uri="{BB962C8B-B14F-4D97-AF65-F5344CB8AC3E}">
-        <p14:creationId xmlns:p14="http://schemas.microsoft.com/office/powerpoint/2010/main" val="1762151403"/>
+        <p14:creationId xmlns:p14="http://schemas.microsoft.com/office/powerpoint/2010/main" val="2056888237"/>
       </p:ext>
     </p:extLst>
   </p:cSld>

--- a/SmallProject-Slides.pptx
+++ b/SmallProject-Slides.pptx
@@ -285,7 +285,7 @@
           <a:p>
             <a:fld id="{1160EA64-D806-43AC-9DF2-F8C432F32B4C}" type="datetimeFigureOut">
               <a:rPr lang="en-US" dirty="0"/>
-              <a:t>6/3/2018</a:t>
+              <a:t>6/4/2018</a:t>
             </a:fld>
             <a:endParaRPr lang="en-US" dirty="0"/>
           </a:p>
@@ -451,7 +451,7 @@
           <a:p>
             <a:fld id="{E9F9C37B-1D36-470B-8223-D6C91242EC14}" type="datetimeFigureOut">
               <a:rPr lang="en-US" dirty="0"/>
-              <a:t>6/3/2018</a:t>
+              <a:t>6/4/2018</a:t>
             </a:fld>
             <a:endParaRPr lang="en-US" dirty="0"/>
           </a:p>
@@ -626,7 +626,7 @@
           <a:p>
             <a:fld id="{67C6F52A-A82B-47A2-A83A-8C4C91F2D59F}" type="datetimeFigureOut">
               <a:rPr lang="en-US" dirty="0"/>
-              <a:t>6/3/2018</a:t>
+              <a:t>6/4/2018</a:t>
             </a:fld>
             <a:endParaRPr lang="en-US" dirty="0"/>
           </a:p>
@@ -791,7 +791,7 @@
           <a:p>
             <a:fld id="{F070A7B3-6521-4DCA-87E5-044747A908C1}" type="datetimeFigureOut">
               <a:rPr lang="en-US" dirty="0"/>
-              <a:t>6/3/2018</a:t>
+              <a:t>6/4/2018</a:t>
             </a:fld>
             <a:endParaRPr lang="en-US" dirty="0"/>
           </a:p>
@@ -1055,7 +1055,7 @@
           <a:p>
             <a:fld id="{1160EA64-D806-43AC-9DF2-F8C432F32B4C}" type="datetimeFigureOut">
               <a:rPr lang="en-US" dirty="0"/>
-              <a:t>6/3/2018</a:t>
+              <a:t>6/4/2018</a:t>
             </a:fld>
             <a:endParaRPr lang="en-US" dirty="0"/>
           </a:p>
@@ -1283,7 +1283,7 @@
           <a:p>
             <a:fld id="{AB134690-1557-4C89-A502-4959FE7FAD70}" type="datetimeFigureOut">
               <a:rPr lang="en-US" dirty="0"/>
-              <a:t>6/3/2018</a:t>
+              <a:t>6/4/2018</a:t>
             </a:fld>
             <a:endParaRPr lang="en-US" dirty="0"/>
           </a:p>
@@ -1637,7 +1637,7 @@
           <a:p>
             <a:fld id="{4F7D4976-E339-4826-83B7-FBD03F55ECF8}" type="datetimeFigureOut">
               <a:rPr lang="en-US" dirty="0"/>
-              <a:t>6/3/2018</a:t>
+              <a:t>6/4/2018</a:t>
             </a:fld>
             <a:endParaRPr lang="en-US" dirty="0"/>
           </a:p>
@@ -1773,7 +1773,7 @@
           <a:p>
             <a:fld id="{E1037C31-9E7A-4F99-8774-A0E530DE1A42}" type="datetimeFigureOut">
               <a:rPr lang="en-US" dirty="0"/>
-              <a:t>6/3/2018</a:t>
+              <a:t>6/4/2018</a:t>
             </a:fld>
             <a:endParaRPr lang="en-US" dirty="0"/>
           </a:p>
@@ -1863,7 +1863,7 @@
           <a:p>
             <a:fld id="{C278504F-A551-4DE0-9316-4DCD1D8CC752}" type="datetimeFigureOut">
               <a:rPr lang="en-US" dirty="0"/>
-              <a:t>6/3/2018</a:t>
+              <a:t>6/4/2018</a:t>
             </a:fld>
             <a:endParaRPr lang="en-US" dirty="0"/>
           </a:p>
@@ -2215,7 +2215,7 @@
           <a:p>
             <a:fld id="{D1BE4249-C0D0-4B06-8692-E8BB871AF643}" type="datetimeFigureOut">
               <a:rPr lang="en-US" dirty="0"/>
-              <a:t>6/3/2018</a:t>
+              <a:t>6/4/2018</a:t>
             </a:fld>
             <a:endParaRPr lang="en-US" dirty="0"/>
           </a:p>
@@ -2567,7 +2567,7 @@
           <a:p>
             <a:fld id="{042B0DB6-F5C7-45FB-8CF3-31B45F9C2DAC}" type="datetimeFigureOut">
               <a:rPr lang="en-US" dirty="0"/>
-              <a:t>6/3/2018</a:t>
+              <a:t>6/4/2018</a:t>
             </a:fld>
             <a:endParaRPr lang="en-US" dirty="0"/>
           </a:p>
@@ -2803,7 +2803,7 @@
           <a:p>
             <a:fld id="{1160EA64-D806-43AC-9DF2-F8C432F32B4C}" type="datetimeFigureOut">
               <a:rPr lang="en-US" dirty="0"/>
-              <a:t>6/3/2018</a:t>
+              <a:t>6/4/2018</a:t>
             </a:fld>
             <a:endParaRPr lang="en-US" dirty="0"/>
           </a:p>
@@ -4159,8 +4159,38 @@
         </p:blipFill>
         <p:spPr>
           <a:xfrm>
-            <a:off x="6513393" y="1941382"/>
+            <a:off x="7888062" y="1910716"/>
             <a:ext cx="3017782" cy="4499238"/>
+          </a:xfrm>
+          <a:prstGeom prst="rect">
+            <a:avLst/>
+          </a:prstGeom>
+        </p:spPr>
+      </p:pic>
+      <p:pic>
+        <p:nvPicPr>
+          <p:cNvPr id="6" name="Picture 5">
+            <a:extLst>
+              <a:ext uri="{FF2B5EF4-FFF2-40B4-BE49-F238E27FC236}">
+                <a16:creationId xmlns:a16="http://schemas.microsoft.com/office/drawing/2014/main" id="{8194193B-432A-4C5D-BBCA-8519F66D8419}"/>
+              </a:ext>
+            </a:extLst>
+          </p:cNvPr>
+          <p:cNvPicPr>
+            <a:picLocks noChangeAspect="1"/>
+          </p:cNvPicPr>
+          <p:nvPr/>
+        </p:nvPicPr>
+        <p:blipFill>
+          <a:blip r:embed="rId3"/>
+          <a:stretch>
+            <a:fillRect/>
+          </a:stretch>
+        </p:blipFill>
+        <p:spPr>
+          <a:xfrm>
+            <a:off x="2520029" y="2979817"/>
+            <a:ext cx="4568358" cy="3027497"/>
           </a:xfrm>
           <a:prstGeom prst="rect">
             <a:avLst/>

--- a/SmallProject-Slides.pptx
+++ b/SmallProject-Slides.pptx
@@ -285,7 +285,7 @@
           <a:p>
             <a:fld id="{1160EA64-D806-43AC-9DF2-F8C432F32B4C}" type="datetimeFigureOut">
               <a:rPr lang="en-US" dirty="0"/>
-              <a:t>6/4/2018</a:t>
+              <a:t>6/5/2018</a:t>
             </a:fld>
             <a:endParaRPr lang="en-US" dirty="0"/>
           </a:p>
@@ -451,7 +451,7 @@
           <a:p>
             <a:fld id="{E9F9C37B-1D36-470B-8223-D6C91242EC14}" type="datetimeFigureOut">
               <a:rPr lang="en-US" dirty="0"/>
-              <a:t>6/4/2018</a:t>
+              <a:t>6/5/2018</a:t>
             </a:fld>
             <a:endParaRPr lang="en-US" dirty="0"/>
           </a:p>
@@ -626,7 +626,7 @@
           <a:p>
             <a:fld id="{67C6F52A-A82B-47A2-A83A-8C4C91F2D59F}" type="datetimeFigureOut">
               <a:rPr lang="en-US" dirty="0"/>
-              <a:t>6/4/2018</a:t>
+              <a:t>6/5/2018</a:t>
             </a:fld>
             <a:endParaRPr lang="en-US" dirty="0"/>
           </a:p>
@@ -791,7 +791,7 @@
           <a:p>
             <a:fld id="{F070A7B3-6521-4DCA-87E5-044747A908C1}" type="datetimeFigureOut">
               <a:rPr lang="en-US" dirty="0"/>
-              <a:t>6/4/2018</a:t>
+              <a:t>6/5/2018</a:t>
             </a:fld>
             <a:endParaRPr lang="en-US" dirty="0"/>
           </a:p>
@@ -1055,7 +1055,7 @@
           <a:p>
             <a:fld id="{1160EA64-D806-43AC-9DF2-F8C432F32B4C}" type="datetimeFigureOut">
               <a:rPr lang="en-US" dirty="0"/>
-              <a:t>6/4/2018</a:t>
+              <a:t>6/5/2018</a:t>
             </a:fld>
             <a:endParaRPr lang="en-US" dirty="0"/>
           </a:p>
@@ -1283,7 +1283,7 @@
           <a:p>
             <a:fld id="{AB134690-1557-4C89-A502-4959FE7FAD70}" type="datetimeFigureOut">
               <a:rPr lang="en-US" dirty="0"/>
-              <a:t>6/4/2018</a:t>
+              <a:t>6/5/2018</a:t>
             </a:fld>
             <a:endParaRPr lang="en-US" dirty="0"/>
           </a:p>
@@ -1637,7 +1637,7 @@
           <a:p>
             <a:fld id="{4F7D4976-E339-4826-83B7-FBD03F55ECF8}" type="datetimeFigureOut">
               <a:rPr lang="en-US" dirty="0"/>
-              <a:t>6/4/2018</a:t>
+              <a:t>6/5/2018</a:t>
             </a:fld>
             <a:endParaRPr lang="en-US" dirty="0"/>
           </a:p>
@@ -1773,7 +1773,7 @@
           <a:p>
             <a:fld id="{E1037C31-9E7A-4F99-8774-A0E530DE1A42}" type="datetimeFigureOut">
               <a:rPr lang="en-US" dirty="0"/>
-              <a:t>6/4/2018</a:t>
+              <a:t>6/5/2018</a:t>
             </a:fld>
             <a:endParaRPr lang="en-US" dirty="0"/>
           </a:p>
@@ -1863,7 +1863,7 @@
           <a:p>
             <a:fld id="{C278504F-A551-4DE0-9316-4DCD1D8CC752}" type="datetimeFigureOut">
               <a:rPr lang="en-US" dirty="0"/>
-              <a:t>6/4/2018</a:t>
+              <a:t>6/5/2018</a:t>
             </a:fld>
             <a:endParaRPr lang="en-US" dirty="0"/>
           </a:p>
@@ -2215,7 +2215,7 @@
           <a:p>
             <a:fld id="{D1BE4249-C0D0-4B06-8692-E8BB871AF643}" type="datetimeFigureOut">
               <a:rPr lang="en-US" dirty="0"/>
-              <a:t>6/4/2018</a:t>
+              <a:t>6/5/2018</a:t>
             </a:fld>
             <a:endParaRPr lang="en-US" dirty="0"/>
           </a:p>
@@ -2567,7 +2567,7 @@
           <a:p>
             <a:fld id="{042B0DB6-F5C7-45FB-8CF3-31B45F9C2DAC}" type="datetimeFigureOut">
               <a:rPr lang="en-US" dirty="0"/>
-              <a:t>6/4/2018</a:t>
+              <a:t>6/5/2018</a:t>
             </a:fld>
             <a:endParaRPr lang="en-US" dirty="0"/>
           </a:p>
@@ -2803,7 +2803,7 @@
           <a:p>
             <a:fld id="{1160EA64-D806-43AC-9DF2-F8C432F32B4C}" type="datetimeFigureOut">
               <a:rPr lang="en-US" dirty="0"/>
-              <a:t>6/4/2018</a:t>
+              <a:t>6/5/2018</a:t>
             </a:fld>
             <a:endParaRPr lang="en-US" dirty="0"/>
           </a:p>
@@ -4139,10 +4139,10 @@
       </p:sp>
       <p:pic>
         <p:nvPicPr>
-          <p:cNvPr id="4" name="Picture 3">
+          <p:cNvPr id="5" name="Picture 4">
             <a:extLst>
               <a:ext uri="{FF2B5EF4-FFF2-40B4-BE49-F238E27FC236}">
-                <a16:creationId xmlns:a16="http://schemas.microsoft.com/office/drawing/2014/main" id="{17C4ACE4-0956-4430-B3D0-04DE201EEDF5}"/>
+                <a16:creationId xmlns:a16="http://schemas.microsoft.com/office/drawing/2014/main" id="{4BDA37E7-8FA3-46D1-88F0-1401F78421CC}"/>
               </a:ext>
             </a:extLst>
           </p:cNvPr>
@@ -4159,38 +4159,8 @@
         </p:blipFill>
         <p:spPr>
           <a:xfrm>
-            <a:off x="7888062" y="1910716"/>
-            <a:ext cx="3017782" cy="4499238"/>
-          </a:xfrm>
-          <a:prstGeom prst="rect">
-            <a:avLst/>
-          </a:prstGeom>
-        </p:spPr>
-      </p:pic>
-      <p:pic>
-        <p:nvPicPr>
-          <p:cNvPr id="6" name="Picture 5">
-            <a:extLst>
-              <a:ext uri="{FF2B5EF4-FFF2-40B4-BE49-F238E27FC236}">
-                <a16:creationId xmlns:a16="http://schemas.microsoft.com/office/drawing/2014/main" id="{8194193B-432A-4C5D-BBCA-8519F66D8419}"/>
-              </a:ext>
-            </a:extLst>
-          </p:cNvPr>
-          <p:cNvPicPr>
-            <a:picLocks noChangeAspect="1"/>
-          </p:cNvPicPr>
-          <p:nvPr/>
-        </p:nvPicPr>
-        <p:blipFill>
-          <a:blip r:embed="rId3"/>
-          <a:stretch>
-            <a:fillRect/>
-          </a:stretch>
-        </p:blipFill>
-        <p:spPr>
-          <a:xfrm>
-            <a:off x="2520029" y="2979817"/>
-            <a:ext cx="4568358" cy="3027497"/>
+            <a:off x="3267379" y="2716573"/>
+            <a:ext cx="5657242" cy="3763868"/>
           </a:xfrm>
           <a:prstGeom prst="rect">
             <a:avLst/>

--- a/SmallProject-Slides.pptx
+++ b/SmallProject-Slides.pptx
@@ -3338,7 +3338,7 @@
         </p:nvSpPr>
         <p:spPr>
           <a:xfrm>
-            <a:off x="2231136" y="377559"/>
+            <a:off x="2231136" y="2834640"/>
             <a:ext cx="7729728" cy="1188720"/>
           </a:xfrm>
         </p:spPr>
@@ -3348,14 +3348,20 @@
           <a:p>
             <a:r>
               <a:rPr lang="en-US" dirty="0"/>
-              <a:t>DEMO</a:t>
-            </a:r>
-          </a:p>
-        </p:txBody>
-      </p:sp>
-      <p:sp>
-        <p:nvSpPr>
-          <p:cNvPr id="3" name="Content Placeholder 2"/>
+              <a:t>Live DEMO</a:t>
+            </a:r>
+          </a:p>
+        </p:txBody>
+      </p:sp>
+      <p:sp>
+        <p:nvSpPr>
+          <p:cNvPr id="5" name="Content Placeholder 4">
+            <a:extLst>
+              <a:ext uri="{FF2B5EF4-FFF2-40B4-BE49-F238E27FC236}">
+                <a16:creationId xmlns:a16="http://schemas.microsoft.com/office/drawing/2014/main" id="{D40BA92E-18B6-4C86-BE06-783C18646155}"/>
+              </a:ext>
+            </a:extLst>
+          </p:cNvPr>
           <p:cNvSpPr>
             <a:spLocks noGrp="1"/>
           </p:cNvSpPr>
@@ -3363,42 +3369,12 @@
             <p:ph idx="1"/>
           </p:nvPr>
         </p:nvSpPr>
-        <p:spPr>
-          <a:xfrm>
-            <a:off x="2231136" y="2118901"/>
-            <a:ext cx="7729728" cy="3101983"/>
-          </a:xfrm>
-        </p:spPr>
-        <p:txBody>
-          <a:bodyPr/>
-          <a:lstStyle/>
-          <a:p>
-            <a:r>
-              <a:rPr lang="en-US" dirty="0"/>
-              <a:t>Try our service out at:       </a:t>
-            </a:r>
-            <a:r>
-              <a:rPr lang="en-US" b="1" dirty="0">
-                <a:solidFill>
-                  <a:srgbClr val="00B0F0"/>
-                </a:solidFill>
-                <a:hlinkClick r:id="rId2"/>
-              </a:rPr>
-              <a:t>m4rks.site</a:t>
-            </a:r>
-            <a:r>
-              <a:rPr lang="en-US" dirty="0"/>
-              <a:t>      from your browser.</a:t>
-            </a:r>
-          </a:p>
-          <a:p>
-            <a:r>
-              <a:rPr lang="en-US" dirty="0"/>
-              <a:t>We have limited bandwidth, so please be patience.</a:t>
-            </a:r>
-          </a:p>
-          <a:p>
-            <a:endParaRPr lang="en-US" dirty="0"/>
+        <p:spPr/>
+        <p:txBody>
+          <a:bodyPr/>
+          <a:lstStyle/>
+          <a:p>
+            <a:endParaRPr lang="en-US"/>
           </a:p>
         </p:txBody>
       </p:sp>
@@ -3712,7 +3688,7 @@
           <a:p>
             <a:r>
               <a:rPr lang="en-US" dirty="0"/>
-              <a:t>Helping users manage their contacts with the simplest interface</a:t>
+              <a:t>Helping users manage their contacts with a simple interface</a:t>
             </a:r>
           </a:p>
           <a:p>
@@ -4022,10 +3998,10 @@
       </p:sp>
       <p:pic>
         <p:nvPicPr>
-          <p:cNvPr id="7" name="Picture 6">
+          <p:cNvPr id="6" name="Picture 5">
             <a:extLst>
               <a:ext uri="{FF2B5EF4-FFF2-40B4-BE49-F238E27FC236}">
-                <a16:creationId xmlns:a16="http://schemas.microsoft.com/office/drawing/2014/main" id="{5A976DF2-AF8B-4E31-ADC8-5574410E1496}"/>
+                <a16:creationId xmlns:a16="http://schemas.microsoft.com/office/drawing/2014/main" id="{DF408D7C-50C6-45D3-B00B-19F425FD1203}"/>
               </a:ext>
             </a:extLst>
           </p:cNvPr>
@@ -4042,8 +4018,8 @@
         </p:blipFill>
         <p:spPr>
           <a:xfrm>
-            <a:off x="2182040" y="2430217"/>
-            <a:ext cx="7733858" cy="4000080"/>
+            <a:off x="2399176" y="2520254"/>
+            <a:ext cx="7393648" cy="3815060"/>
           </a:xfrm>
           <a:prstGeom prst="rect">
             <a:avLst/>
@@ -4132,17 +4108,14 @@
               <a:t>Entity Relationship Diagram</a:t>
             </a:r>
           </a:p>
-          <a:p>
-            <a:endParaRPr lang="en-US" dirty="0"/>
-          </a:p>
         </p:txBody>
       </p:sp>
       <p:pic>
         <p:nvPicPr>
-          <p:cNvPr id="5" name="Picture 4">
+          <p:cNvPr id="6" name="Picture 5">
             <a:extLst>
               <a:ext uri="{FF2B5EF4-FFF2-40B4-BE49-F238E27FC236}">
-                <a16:creationId xmlns:a16="http://schemas.microsoft.com/office/drawing/2014/main" id="{4BDA37E7-8FA3-46D1-88F0-1401F78421CC}"/>
+                <a16:creationId xmlns:a16="http://schemas.microsoft.com/office/drawing/2014/main" id="{712057D9-A0F3-40E3-8024-8B5E90D4DE28}"/>
               </a:ext>
             </a:extLst>
           </p:cNvPr>
@@ -4159,8 +4132,8 @@
         </p:blipFill>
         <p:spPr>
           <a:xfrm>
-            <a:off x="3267379" y="2716573"/>
-            <a:ext cx="5657242" cy="3763868"/>
+            <a:off x="3542928" y="2768703"/>
+            <a:ext cx="5491567" cy="3664780"/>
           </a:xfrm>
           <a:prstGeom prst="rect">
             <a:avLst/>
